--- a/你的愛(崇拜版).pptx
+++ b/你的愛(崇拜版).pptx
@@ -5,13 +5,20 @@
     <p:sldMasterId id="2147483660" r:id="rId1"/>
   </p:sldMasterIdLst>
   <p:sldIdLst>
-    <p:sldId id="257" r:id="rId2"/>
-    <p:sldId id="258" r:id="rId3"/>
-    <p:sldId id="259" r:id="rId4"/>
-    <p:sldId id="260" r:id="rId5"/>
-    <p:sldId id="261" r:id="rId6"/>
+    <p:sldId id="262" r:id="rId2"/>
+    <p:sldId id="263" r:id="rId3"/>
+    <p:sldId id="264" r:id="rId4"/>
+    <p:sldId id="265" r:id="rId5"/>
+    <p:sldId id="266" r:id="rId6"/>
+    <p:sldId id="267" r:id="rId7"/>
+    <p:sldId id="268" r:id="rId8"/>
+    <p:sldId id="269" r:id="rId9"/>
+    <p:sldId id="270" r:id="rId10"/>
+    <p:sldId id="271" r:id="rId11"/>
+    <p:sldId id="272" r:id="rId12"/>
+    <p:sldId id="273" r:id="rId13"/>
   </p:sldIdLst>
-  <p:sldSz cx="9144000" cy="6858000" type="screen4x3"/>
+  <p:sldSz cx="12192000" cy="6858000"/>
   <p:notesSz cx="6858000" cy="9144000"/>
   <p:defaultTextStyle>
     <a:defPPr>
@@ -108,6 +115,22 @@
       </a:defRPr>
     </a:lvl9pPr>
   </p:defaultTextStyle>
+  <p:extLst>
+    <p:ext uri="{EFAFB233-063F-42B5-8137-9DF3F51BA10A}">
+      <p15:sldGuideLst xmlns:p15="http://schemas.microsoft.com/office/powerpoint/2012/main">
+        <p15:guide id="1" orient="horz" pos="2160" userDrawn="1">
+          <p15:clr>
+            <a:srgbClr val="A4A3A4"/>
+          </p15:clr>
+        </p15:guide>
+        <p15:guide id="2" pos="3840" userDrawn="1">
+          <p15:clr>
+            <a:srgbClr val="A4A3A4"/>
+          </p15:clr>
+        </p15:guide>
+      </p15:sldGuideLst>
+    </p:ext>
+  </p:extLst>
 </p:presentation>
 </file>
 
@@ -140,8 +163,8 @@
         </p:nvSpPr>
         <p:spPr>
           <a:xfrm>
-            <a:off x="685800" y="2130425"/>
-            <a:ext cx="7772400" cy="1470025"/>
+            <a:off x="914400" y="2130426"/>
+            <a:ext cx="10363200" cy="1470025"/>
           </a:xfrm>
         </p:spPr>
         <p:txBody>
@@ -168,8 +191,8 @@
         </p:nvSpPr>
         <p:spPr>
           <a:xfrm>
-            <a:off x="1371600" y="3886200"/>
-            <a:ext cx="6400800" cy="1752600"/>
+            <a:off x="1828800" y="3886200"/>
+            <a:ext cx="8534400" cy="1752600"/>
           </a:xfrm>
         </p:spPr>
         <p:txBody>
@@ -293,7 +316,7 @@
             <a:fld id="{AA5D9FA9-CE5A-48A6-B3BE-EC410BA02A91}" type="datetimeFigureOut">
               <a:rPr lang="zh-TW" altLang="en-US" smtClean="0"/>
               <a:pPr/>
-              <a:t>2018/11/10</a:t>
+              <a:t>2021/11/10</a:t>
             </a:fld>
             <a:endParaRPr lang="zh-TW" altLang="en-US"/>
           </a:p>
@@ -460,7 +483,7 @@
             <a:fld id="{AA5D9FA9-CE5A-48A6-B3BE-EC410BA02A91}" type="datetimeFigureOut">
               <a:rPr lang="zh-TW" altLang="en-US" smtClean="0"/>
               <a:pPr/>
-              <a:t>2018/11/10</a:t>
+              <a:t>2021/11/10</a:t>
             </a:fld>
             <a:endParaRPr lang="zh-TW" altLang="en-US"/>
           </a:p>
@@ -546,8 +569,8 @@
         </p:nvSpPr>
         <p:spPr>
           <a:xfrm>
-            <a:off x="6629400" y="274638"/>
-            <a:ext cx="2057400" cy="5851525"/>
+            <a:off x="8839200" y="274639"/>
+            <a:ext cx="2743200" cy="5851525"/>
           </a:xfrm>
         </p:spPr>
         <p:txBody>
@@ -574,8 +597,8 @@
         </p:nvSpPr>
         <p:spPr>
           <a:xfrm>
-            <a:off x="457200" y="274638"/>
-            <a:ext cx="6019800" cy="5851525"/>
+            <a:off x="609600" y="274639"/>
+            <a:ext cx="8026400" cy="5851525"/>
           </a:xfrm>
         </p:spPr>
         <p:txBody>
@@ -637,7 +660,7 @@
             <a:fld id="{AA5D9FA9-CE5A-48A6-B3BE-EC410BA02A91}" type="datetimeFigureOut">
               <a:rPr lang="zh-TW" altLang="en-US" smtClean="0"/>
               <a:pPr/>
-              <a:t>2018/11/10</a:t>
+              <a:t>2021/11/10</a:t>
             </a:fld>
             <a:endParaRPr lang="zh-TW" altLang="en-US"/>
           </a:p>
@@ -804,7 +827,7 @@
             <a:fld id="{AA5D9FA9-CE5A-48A6-B3BE-EC410BA02A91}" type="datetimeFigureOut">
               <a:rPr lang="zh-TW" altLang="en-US" smtClean="0"/>
               <a:pPr/>
-              <a:t>2018/11/10</a:t>
+              <a:t>2021/11/10</a:t>
             </a:fld>
             <a:endParaRPr lang="zh-TW" altLang="en-US"/>
           </a:p>
@@ -890,8 +913,8 @@
         </p:nvSpPr>
         <p:spPr>
           <a:xfrm>
-            <a:off x="722313" y="4406900"/>
-            <a:ext cx="7772400" cy="1362075"/>
+            <a:off x="963084" y="4406901"/>
+            <a:ext cx="10363200" cy="1362075"/>
           </a:xfrm>
         </p:spPr>
         <p:txBody>
@@ -922,8 +945,8 @@
         </p:nvSpPr>
         <p:spPr>
           <a:xfrm>
-            <a:off x="722313" y="2906713"/>
-            <a:ext cx="7772400" cy="1500187"/>
+            <a:off x="963084" y="2906713"/>
+            <a:ext cx="10363200" cy="1500187"/>
           </a:xfrm>
         </p:spPr>
         <p:txBody>
@@ -1047,7 +1070,7 @@
             <a:fld id="{AA5D9FA9-CE5A-48A6-B3BE-EC410BA02A91}" type="datetimeFigureOut">
               <a:rPr lang="zh-TW" altLang="en-US" smtClean="0"/>
               <a:pPr/>
-              <a:t>2018/11/10</a:t>
+              <a:t>2021/11/10</a:t>
             </a:fld>
             <a:endParaRPr lang="zh-TW" altLang="en-US"/>
           </a:p>
@@ -1156,8 +1179,8 @@
         </p:nvSpPr>
         <p:spPr>
           <a:xfrm>
-            <a:off x="457200" y="1600200"/>
-            <a:ext cx="4038600" cy="4525963"/>
+            <a:off x="609600" y="1600201"/>
+            <a:ext cx="5384800" cy="4525963"/>
           </a:xfrm>
         </p:spPr>
         <p:txBody>
@@ -1241,8 +1264,8 @@
         </p:nvSpPr>
         <p:spPr>
           <a:xfrm>
-            <a:off x="4648200" y="1600200"/>
-            <a:ext cx="4038600" cy="4525963"/>
+            <a:off x="6197600" y="1600201"/>
+            <a:ext cx="5384800" cy="4525963"/>
           </a:xfrm>
         </p:spPr>
         <p:txBody>
@@ -1332,7 +1355,7 @@
             <a:fld id="{AA5D9FA9-CE5A-48A6-B3BE-EC410BA02A91}" type="datetimeFigureOut">
               <a:rPr lang="zh-TW" altLang="en-US" smtClean="0"/>
               <a:pPr/>
-              <a:t>2018/11/10</a:t>
+              <a:t>2021/11/10</a:t>
             </a:fld>
             <a:endParaRPr lang="zh-TW" altLang="en-US"/>
           </a:p>
@@ -1445,8 +1468,8 @@
         </p:nvSpPr>
         <p:spPr>
           <a:xfrm>
-            <a:off x="457200" y="1535113"/>
-            <a:ext cx="4040188" cy="639762"/>
+            <a:off x="609600" y="1535113"/>
+            <a:ext cx="5386917" cy="639762"/>
           </a:xfrm>
         </p:spPr>
         <p:txBody>
@@ -1510,8 +1533,8 @@
         </p:nvSpPr>
         <p:spPr>
           <a:xfrm>
-            <a:off x="457200" y="2174875"/>
-            <a:ext cx="4040188" cy="3951288"/>
+            <a:off x="609600" y="2174875"/>
+            <a:ext cx="5386917" cy="3951288"/>
           </a:xfrm>
         </p:spPr>
         <p:txBody>
@@ -1595,8 +1618,8 @@
         </p:nvSpPr>
         <p:spPr>
           <a:xfrm>
-            <a:off x="4645025" y="1535113"/>
-            <a:ext cx="4041775" cy="639762"/>
+            <a:off x="6193368" y="1535113"/>
+            <a:ext cx="5389033" cy="639762"/>
           </a:xfrm>
         </p:spPr>
         <p:txBody>
@@ -1660,8 +1683,8 @@
         </p:nvSpPr>
         <p:spPr>
           <a:xfrm>
-            <a:off x="4645025" y="2174875"/>
-            <a:ext cx="4041775" cy="3951288"/>
+            <a:off x="6193368" y="2174875"/>
+            <a:ext cx="5389033" cy="3951288"/>
           </a:xfrm>
         </p:spPr>
         <p:txBody>
@@ -1751,7 +1774,7 @@
             <a:fld id="{AA5D9FA9-CE5A-48A6-B3BE-EC410BA02A91}" type="datetimeFigureOut">
               <a:rPr lang="zh-TW" altLang="en-US" smtClean="0"/>
               <a:pPr/>
-              <a:t>2018/11/10</a:t>
+              <a:t>2021/11/10</a:t>
             </a:fld>
             <a:endParaRPr lang="zh-TW" altLang="en-US"/>
           </a:p>
@@ -1866,7 +1889,7 @@
             <a:fld id="{AA5D9FA9-CE5A-48A6-B3BE-EC410BA02A91}" type="datetimeFigureOut">
               <a:rPr lang="zh-TW" altLang="en-US" smtClean="0"/>
               <a:pPr/>
-              <a:t>2018/11/10</a:t>
+              <a:t>2021/11/10</a:t>
             </a:fld>
             <a:endParaRPr lang="zh-TW" altLang="en-US"/>
           </a:p>
@@ -1958,7 +1981,7 @@
             <a:fld id="{AA5D9FA9-CE5A-48A6-B3BE-EC410BA02A91}" type="datetimeFigureOut">
               <a:rPr lang="zh-TW" altLang="en-US" smtClean="0"/>
               <a:pPr/>
-              <a:t>2018/11/10</a:t>
+              <a:t>2021/11/10</a:t>
             </a:fld>
             <a:endParaRPr lang="zh-TW" altLang="en-US"/>
           </a:p>
@@ -2044,8 +2067,8 @@
         </p:nvSpPr>
         <p:spPr>
           <a:xfrm>
-            <a:off x="457200" y="273050"/>
-            <a:ext cx="3008313" cy="1162050"/>
+            <a:off x="609601" y="273050"/>
+            <a:ext cx="4011084" cy="1162050"/>
           </a:xfrm>
         </p:spPr>
         <p:txBody>
@@ -2076,8 +2099,8 @@
         </p:nvSpPr>
         <p:spPr>
           <a:xfrm>
-            <a:off x="3575050" y="273050"/>
-            <a:ext cx="5111750" cy="5853113"/>
+            <a:off x="4766733" y="273051"/>
+            <a:ext cx="6815667" cy="5853113"/>
           </a:xfrm>
         </p:spPr>
         <p:txBody>
@@ -2161,8 +2184,8 @@
         </p:nvSpPr>
         <p:spPr>
           <a:xfrm>
-            <a:off x="457200" y="1435100"/>
-            <a:ext cx="3008313" cy="4691063"/>
+            <a:off x="609601" y="1435101"/>
+            <a:ext cx="4011084" cy="4691063"/>
           </a:xfrm>
         </p:spPr>
         <p:txBody>
@@ -2232,7 +2255,7 @@
             <a:fld id="{AA5D9FA9-CE5A-48A6-B3BE-EC410BA02A91}" type="datetimeFigureOut">
               <a:rPr lang="zh-TW" altLang="en-US" smtClean="0"/>
               <a:pPr/>
-              <a:t>2018/11/10</a:t>
+              <a:t>2021/11/10</a:t>
             </a:fld>
             <a:endParaRPr lang="zh-TW" altLang="en-US"/>
           </a:p>
@@ -2318,8 +2341,8 @@
         </p:nvSpPr>
         <p:spPr>
           <a:xfrm>
-            <a:off x="1792288" y="4800600"/>
-            <a:ext cx="5486400" cy="566738"/>
+            <a:off x="2389717" y="4800600"/>
+            <a:ext cx="7315200" cy="566738"/>
           </a:xfrm>
         </p:spPr>
         <p:txBody>
@@ -2350,8 +2373,8 @@
         </p:nvSpPr>
         <p:spPr>
           <a:xfrm>
-            <a:off x="1792288" y="612775"/>
-            <a:ext cx="5486400" cy="4114800"/>
+            <a:off x="2389717" y="612775"/>
+            <a:ext cx="7315200" cy="4114800"/>
           </a:xfrm>
         </p:spPr>
         <p:txBody>
@@ -2415,8 +2438,8 @@
         </p:nvSpPr>
         <p:spPr>
           <a:xfrm>
-            <a:off x="1792288" y="5367338"/>
-            <a:ext cx="5486400" cy="804862"/>
+            <a:off x="2389717" y="5367338"/>
+            <a:ext cx="7315200" cy="804862"/>
           </a:xfrm>
         </p:spPr>
         <p:txBody>
@@ -2486,7 +2509,7 @@
             <a:fld id="{AA5D9FA9-CE5A-48A6-B3BE-EC410BA02A91}" type="datetimeFigureOut">
               <a:rPr lang="zh-TW" altLang="en-US" smtClean="0"/>
               <a:pPr/>
-              <a:t>2018/11/10</a:t>
+              <a:t>2021/11/10</a:t>
             </a:fld>
             <a:endParaRPr lang="zh-TW" altLang="en-US"/>
           </a:p>
@@ -2582,8 +2605,8 @@
         </p:nvSpPr>
         <p:spPr>
           <a:xfrm>
-            <a:off x="457200" y="274638"/>
-            <a:ext cx="8229600" cy="1143000"/>
+            <a:off x="609600" y="274638"/>
+            <a:ext cx="10972800" cy="1143000"/>
           </a:xfrm>
           <a:prstGeom prst="rect">
             <a:avLst/>
@@ -2615,8 +2638,8 @@
         </p:nvSpPr>
         <p:spPr>
           <a:xfrm>
-            <a:off x="457200" y="1600200"/>
-            <a:ext cx="8229600" cy="4525963"/>
+            <a:off x="609600" y="1600201"/>
+            <a:ext cx="10972800" cy="4525963"/>
           </a:xfrm>
           <a:prstGeom prst="rect">
             <a:avLst/>
@@ -2677,8 +2700,8 @@
         </p:nvSpPr>
         <p:spPr>
           <a:xfrm>
-            <a:off x="457200" y="6356350"/>
-            <a:ext cx="2133600" cy="365125"/>
+            <a:off x="609600" y="6356351"/>
+            <a:ext cx="2844800" cy="365125"/>
           </a:xfrm>
           <a:prstGeom prst="rect">
             <a:avLst/>
@@ -2701,7 +2724,7 @@
             <a:fld id="{AA5D9FA9-CE5A-48A6-B3BE-EC410BA02A91}" type="datetimeFigureOut">
               <a:rPr lang="zh-TW" altLang="en-US" smtClean="0"/>
               <a:pPr/>
-              <a:t>2018/11/10</a:t>
+              <a:t>2021/11/10</a:t>
             </a:fld>
             <a:endParaRPr lang="zh-TW" altLang="en-US"/>
           </a:p>
@@ -2719,8 +2742,8 @@
         </p:nvSpPr>
         <p:spPr>
           <a:xfrm>
-            <a:off x="3124200" y="6356350"/>
-            <a:ext cx="2895600" cy="365125"/>
+            <a:off x="4165600" y="6356351"/>
+            <a:ext cx="3860800" cy="365125"/>
           </a:xfrm>
           <a:prstGeom prst="rect">
             <a:avLst/>
@@ -2756,8 +2779,8 @@
         </p:nvSpPr>
         <p:spPr>
           <a:xfrm>
-            <a:off x="6553200" y="6356350"/>
-            <a:ext cx="2133600" cy="365125"/>
+            <a:off x="8737600" y="6356351"/>
+            <a:ext cx="2844800" cy="365125"/>
           </a:xfrm>
           <a:prstGeom prst="rect">
             <a:avLst/>
@@ -3074,7 +3097,7 @@
       </p:grpSpPr>
       <p:sp>
         <p:nvSpPr>
-          <p:cNvPr id="2" name="標題 1"/>
+          <p:cNvPr id="4" name="標題 3"/>
           <p:cNvSpPr>
             <a:spLocks noGrp="1"/>
           </p:cNvSpPr>
@@ -3082,27 +3105,104 @@
             <p:ph type="title"/>
           </p:nvPr>
         </p:nvSpPr>
-        <p:spPr/>
-        <p:txBody>
-          <a:bodyPr/>
-          <a:lstStyle/>
-          <a:p>
-            <a:r>
-              <a:rPr lang="zh-TW" altLang="en-US" b="1" dirty="0">
-                <a:solidFill>
-                  <a:srgbClr val="660033"/>
-                </a:solidFill>
+        <p:spPr>
+          <a:xfrm>
+            <a:off x="0" y="2660915"/>
+            <a:ext cx="12192000" cy="1143000"/>
+          </a:xfrm>
+        </p:spPr>
+        <p:txBody>
+          <a:bodyPr>
+            <a:noAutofit/>
+          </a:bodyPr>
+          <a:lstStyle/>
+          <a:p>
+            <a:r>
+              <a:rPr lang="zh-CN" altLang="en-US" sz="7200" b="1" i="1" dirty="0" smtClean="0">
+                <a:solidFill>
+                  <a:srgbClr val="660033"/>
+                </a:solidFill>
+                <a:effectLst>
+                  <a:outerShdw blurRad="38100" dist="38100" dir="2700000" algn="tl">
+                    <a:srgbClr val="000000">
+                      <a:alpha val="43137"/>
+                    </a:srgbClr>
+                  </a:outerShdw>
+                </a:effectLst>
                 <a:latin typeface="微軟正黑體" pitchFamily="34" charset="-120"/>
                 <a:ea typeface="微軟正黑體" pitchFamily="34" charset="-120"/>
-              </a:rPr>
-              <a:t>你的愛</a:t>
-            </a:r>
-          </a:p>
-        </p:txBody>
-      </p:sp>
-      <p:sp>
-        <p:nvSpPr>
-          <p:cNvPr id="3" name="內容版面配置區 2"/>
+                <a:sym typeface="Microsoft JhengHei"/>
+              </a:rPr>
+              <a:t>祢</a:t>
+            </a:r>
+            <a:r>
+              <a:rPr lang="zh-TW" altLang="en-US" sz="7200" b="1" i="1" dirty="0">
+                <a:solidFill>
+                  <a:srgbClr val="660033"/>
+                </a:solidFill>
+                <a:effectLst>
+                  <a:outerShdw blurRad="38100" dist="38100" dir="2700000" algn="tl">
+                    <a:srgbClr val="000000">
+                      <a:alpha val="43137"/>
+                    </a:srgbClr>
+                  </a:outerShdw>
+                </a:effectLst>
+                <a:latin typeface="微軟正黑體" pitchFamily="34" charset="-120"/>
+                <a:ea typeface="微軟正黑體" pitchFamily="34" charset="-120"/>
+                <a:sym typeface="Microsoft JhengHei"/>
+              </a:rPr>
+              <a:t>的愛</a:t>
+            </a:r>
+            <a:endParaRPr lang="zh-TW" altLang="en-US" sz="7200" b="1" i="1" dirty="0">
+              <a:solidFill>
+                <a:srgbClr val="660033"/>
+              </a:solidFill>
+              <a:effectLst>
+                <a:outerShdw blurRad="38100" dist="38100" dir="2700000" algn="tl">
+                  <a:srgbClr val="000000">
+                    <a:alpha val="43137"/>
+                  </a:srgbClr>
+                </a:outerShdw>
+              </a:effectLst>
+              <a:latin typeface="微軟正黑體" pitchFamily="34" charset="-120"/>
+              <a:ea typeface="微軟正黑體" pitchFamily="34" charset="-120"/>
+            </a:endParaRPr>
+          </a:p>
+        </p:txBody>
+      </p:sp>
+    </p:spTree>
+    <p:extLst>
+      <p:ext uri="{BB962C8B-B14F-4D97-AF65-F5344CB8AC3E}">
+        <p14:creationId xmlns:p14="http://schemas.microsoft.com/office/powerpoint/2010/main" val="740344015"/>
+      </p:ext>
+    </p:extLst>
+  </p:cSld>
+  <p:clrMapOvr>
+    <a:masterClrMapping/>
+  </p:clrMapOvr>
+</p:sld>
+</file>
+
+<file path=ppt/slides/slide10.xml><?xml version="1.0" encoding="utf-8"?>
+<p:sld xmlns:a="http://schemas.openxmlformats.org/drawingml/2006/main" xmlns:r="http://schemas.openxmlformats.org/officeDocument/2006/relationships" xmlns:p="http://schemas.openxmlformats.org/presentationml/2006/main">
+  <p:cSld>
+    <p:spTree>
+      <p:nvGrpSpPr>
+        <p:cNvPr id="1" name=""/>
+        <p:cNvGrpSpPr/>
+        <p:nvPr/>
+      </p:nvGrpSpPr>
+      <p:grpSpPr>
+        <a:xfrm>
+          <a:off x="0" y="0"/>
+          <a:ext cx="0" cy="0"/>
+          <a:chOff x="0" y="0"/>
+          <a:chExt cx="0" cy="0"/>
+        </a:xfrm>
+      </p:grpSpPr>
+      <p:sp>
+        <p:nvSpPr>
+          <p:cNvPr id="5" name="內容版面配置區 4"/>
           <p:cNvSpPr>
             <a:spLocks noGrp="1"/>
           </p:cNvSpPr>
@@ -3110,156 +3210,500 @@
             <p:ph idx="1"/>
           </p:nvPr>
         </p:nvSpPr>
-        <p:spPr/>
-        <p:txBody>
-          <a:bodyPr>
+        <p:spPr>
+          <a:xfrm>
+            <a:off x="0" y="2084851"/>
+            <a:ext cx="12192000" cy="2404863"/>
+          </a:xfrm>
+        </p:spPr>
+        <p:txBody>
+          <a:bodyPr anchor="ctr">
             <a:normAutofit/>
           </a:bodyPr>
           <a:lstStyle/>
           <a:p>
-            <a:pPr algn="ctr">
+            <a:pPr lvl="0" algn="ctr">
+              <a:spcBef>
+                <a:spcPts val="0"/>
+              </a:spcBef>
+              <a:buClr>
+                <a:srgbClr val="660033"/>
+              </a:buClr>
+              <a:buSzPts val="5400"/>
               <a:buNone/>
             </a:pPr>
             <a:r>
-              <a:rPr lang="zh-TW" altLang="en-US" sz="5400" b="1" dirty="0">
+              <a:rPr lang="zh-TW" altLang="en-US" sz="6400" b="1" dirty="0">
                 <a:solidFill>
                   <a:srgbClr val="660033"/>
                 </a:solidFill>
                 <a:latin typeface="微軟正黑體" pitchFamily="34" charset="-120"/>
                 <a:ea typeface="微軟正黑體" pitchFamily="34" charset="-120"/>
-              </a:rPr>
-              <a:t>你創造宇宙</a:t>
-            </a:r>
-            <a:r>
-              <a:rPr lang="zh-TW" altLang="en-US" sz="5400" b="1" dirty="0" smtClean="0">
+                <a:sym typeface="Microsoft JhengHei"/>
+              </a:rPr>
+              <a:t>祢的愛如此深</a:t>
+            </a:r>
+            <a:r>
+              <a:rPr lang="zh-TW" altLang="en-US" sz="6400" b="1" dirty="0">
                 <a:solidFill>
                   <a:srgbClr val="660033"/>
                 </a:solidFill>
                 <a:latin typeface="微軟正黑體" pitchFamily="34" charset="-120"/>
                 <a:ea typeface="微軟正黑體" pitchFamily="34" charset="-120"/>
-              </a:rPr>
-              <a:t>萬物</a:t>
-            </a:r>
-            <a:endParaRPr lang="en-US" altLang="zh-TW" sz="5400" b="1" dirty="0" smtClean="0">
+                <a:sym typeface="Microsoft JhengHei"/>
+              </a:rPr>
+              <a:t>切</a:t>
+            </a:r>
+          </a:p>
+          <a:p>
+            <a:pPr lvl="0" algn="ctr">
+              <a:spcBef>
+                <a:spcPts val="1080"/>
+              </a:spcBef>
+              <a:buClr>
+                <a:srgbClr val="660033"/>
+              </a:buClr>
+              <a:buSzPts val="5400"/>
+              <a:buNone/>
+            </a:pPr>
+            <a:r>
+              <a:rPr lang="zh-TW" altLang="en-US" sz="6400" b="1" dirty="0">
+                <a:solidFill>
+                  <a:srgbClr val="660033"/>
+                </a:solidFill>
+                <a:latin typeface="微軟正黑體" pitchFamily="34" charset="-120"/>
+                <a:ea typeface="微軟正黑體" pitchFamily="34" charset="-120"/>
+                <a:sym typeface="Microsoft JhengHei"/>
+              </a:rPr>
+              <a:t>我知我無以報答</a:t>
+            </a:r>
+            <a:endParaRPr lang="zh-TW" altLang="en-US" sz="6400" b="1" dirty="0">
               <a:solidFill>
                 <a:srgbClr val="660033"/>
               </a:solidFill>
               <a:latin typeface="微軟正黑體" pitchFamily="34" charset="-120"/>
               <a:ea typeface="微軟正黑體" pitchFamily="34" charset="-120"/>
+              <a:sym typeface="Microsoft JhengHei"/>
             </a:endParaRPr>
           </a:p>
-          <a:p>
-            <a:pPr algn="ctr">
+        </p:txBody>
+      </p:sp>
+      <p:sp>
+        <p:nvSpPr>
+          <p:cNvPr id="3" name="TextBox 2"/>
+          <p:cNvSpPr txBox="1"/>
+          <p:nvPr/>
+        </p:nvSpPr>
+        <p:spPr>
+          <a:xfrm>
+            <a:off x="0" y="5157192"/>
+            <a:ext cx="12192000" cy="830997"/>
+          </a:xfrm>
+          <a:prstGeom prst="rect">
+            <a:avLst/>
+          </a:prstGeom>
+          <a:noFill/>
+        </p:spPr>
+        <p:txBody>
+          <a:bodyPr wrap="square" rtlCol="0">
+            <a:spAutoFit/>
+          </a:bodyPr>
+          <a:lstStyle/>
+          <a:p>
+            <a:pPr algn="ctr"/>
+            <a:r>
+              <a:rPr lang="en-US" sz="4800" b="1" dirty="0" smtClean="0">
+                <a:solidFill>
+                  <a:srgbClr val="660033"/>
+                </a:solidFill>
+                <a:latin typeface="Microsoft JhengHei" panose="020B0604030504040204" pitchFamily="34" charset="-120"/>
+                <a:ea typeface="Microsoft JhengHei" panose="020B0604030504040204" pitchFamily="34" charset="-120"/>
+              </a:rPr>
+              <a:t>( </a:t>
+            </a:r>
+            <a:r>
+              <a:rPr lang="zh-CN" altLang="en-US" sz="4800" b="1" dirty="0" smtClean="0">
+                <a:solidFill>
+                  <a:srgbClr val="660033"/>
+                </a:solidFill>
+                <a:latin typeface="Microsoft JhengHei" panose="020B0604030504040204" pitchFamily="34" charset="-120"/>
+                <a:ea typeface="Microsoft JhengHei" panose="020B0604030504040204" pitchFamily="34" charset="-120"/>
+              </a:rPr>
+              <a:t>副 </a:t>
+            </a:r>
+            <a:r>
+              <a:rPr lang="en-US" sz="4800" b="1" dirty="0" smtClean="0">
+                <a:solidFill>
+                  <a:srgbClr val="660033"/>
+                </a:solidFill>
+                <a:latin typeface="Microsoft JhengHei" panose="020B0604030504040204" pitchFamily="34" charset="-120"/>
+                <a:ea typeface="Microsoft JhengHei" panose="020B0604030504040204" pitchFamily="34" charset="-120"/>
+              </a:rPr>
+              <a:t>)</a:t>
+            </a:r>
+            <a:endParaRPr lang="vi-VN" sz="4800" b="1" dirty="0">
+              <a:solidFill>
+                <a:srgbClr val="660033"/>
+              </a:solidFill>
+              <a:ea typeface="Microsoft JhengHei" panose="020B0604030504040204" pitchFamily="34" charset="-120"/>
+            </a:endParaRPr>
+          </a:p>
+        </p:txBody>
+      </p:sp>
+    </p:spTree>
+    <p:extLst>
+      <p:ext uri="{BB962C8B-B14F-4D97-AF65-F5344CB8AC3E}">
+        <p14:creationId xmlns:p14="http://schemas.microsoft.com/office/powerpoint/2010/main" val="3668610874"/>
+      </p:ext>
+    </p:extLst>
+  </p:cSld>
+  <p:clrMapOvr>
+    <a:masterClrMapping/>
+  </p:clrMapOvr>
+</p:sld>
+</file>
+
+<file path=ppt/slides/slide11.xml><?xml version="1.0" encoding="utf-8"?>
+<p:sld xmlns:a="http://schemas.openxmlformats.org/drawingml/2006/main" xmlns:r="http://schemas.openxmlformats.org/officeDocument/2006/relationships" xmlns:p="http://schemas.openxmlformats.org/presentationml/2006/main">
+  <p:cSld>
+    <p:spTree>
+      <p:nvGrpSpPr>
+        <p:cNvPr id="1" name=""/>
+        <p:cNvGrpSpPr/>
+        <p:nvPr/>
+      </p:nvGrpSpPr>
+      <p:grpSpPr>
+        <a:xfrm>
+          <a:off x="0" y="0"/>
+          <a:ext cx="0" cy="0"/>
+          <a:chOff x="0" y="0"/>
+          <a:chExt cx="0" cy="0"/>
+        </a:xfrm>
+      </p:grpSpPr>
+      <p:sp>
+        <p:nvSpPr>
+          <p:cNvPr id="5" name="內容版面配置區 4"/>
+          <p:cNvSpPr>
+            <a:spLocks noGrp="1"/>
+          </p:cNvSpPr>
+          <p:nvPr>
+            <p:ph idx="1"/>
+          </p:nvPr>
+        </p:nvSpPr>
+        <p:spPr>
+          <a:xfrm>
+            <a:off x="0" y="2084851"/>
+            <a:ext cx="12192000" cy="2404863"/>
+          </a:xfrm>
+        </p:spPr>
+        <p:txBody>
+          <a:bodyPr anchor="ctr">
+            <a:normAutofit/>
+          </a:bodyPr>
+          <a:lstStyle/>
+          <a:p>
+            <a:pPr lvl="0" algn="ctr">
+              <a:spcBef>
+                <a:spcPts val="1080"/>
+              </a:spcBef>
+              <a:buClr>
+                <a:srgbClr val="660033"/>
+              </a:buClr>
+              <a:buSzPts val="5400"/>
               <a:buNone/>
             </a:pPr>
             <a:r>
-              <a:rPr lang="zh-TW" altLang="en-US" sz="5400" b="1" dirty="0" smtClean="0">
+              <a:rPr lang="zh-TW" altLang="en-US" sz="6400" b="1" dirty="0">
                 <a:solidFill>
                   <a:srgbClr val="660033"/>
                 </a:solidFill>
                 <a:latin typeface="微軟正黑體" pitchFamily="34" charset="-120"/>
                 <a:ea typeface="微軟正黑體" pitchFamily="34" charset="-120"/>
-              </a:rPr>
-              <a:t>統</a:t>
-            </a:r>
-            <a:r>
-              <a:rPr lang="zh-TW" altLang="en-US" sz="5400" b="1" dirty="0">
+                <a:sym typeface="Microsoft JhengHei"/>
+              </a:rPr>
+              <a:t>但</a:t>
+            </a:r>
+            <a:r>
+              <a:rPr lang="zh-TW" altLang="en-US" sz="6400" b="1" dirty="0">
                 <a:solidFill>
                   <a:srgbClr val="660033"/>
                 </a:solidFill>
                 <a:latin typeface="微軟正黑體" pitchFamily="34" charset="-120"/>
                 <a:ea typeface="微軟正黑體" pitchFamily="34" charset="-120"/>
-              </a:rPr>
-              <a:t>管一切</a:t>
-            </a:r>
-            <a:r>
-              <a:rPr lang="zh-TW" altLang="en-US" sz="5400" b="1" dirty="0" smtClean="0">
+                <a:sym typeface="Microsoft JhengHei"/>
+              </a:rPr>
+              <a:t>願倒空我的生</a:t>
+            </a:r>
+            <a:r>
+              <a:rPr lang="zh-TW" altLang="en-US" sz="6400" b="1" dirty="0">
                 <a:solidFill>
                   <a:srgbClr val="660033"/>
                 </a:solidFill>
                 <a:latin typeface="微軟正黑體" pitchFamily="34" charset="-120"/>
                 <a:ea typeface="微軟正黑體" pitchFamily="34" charset="-120"/>
-              </a:rPr>
-              <a:t>所有</a:t>
-            </a:r>
-            <a:endParaRPr lang="en-US" altLang="zh-TW" sz="5400" b="1" dirty="0">
+                <a:sym typeface="Microsoft JhengHei"/>
+              </a:rPr>
+              <a:t>命</a:t>
+            </a:r>
+            <a:endParaRPr lang="en-US" altLang="zh-TW" sz="6400" b="1" dirty="0">
               <a:solidFill>
                 <a:srgbClr val="660033"/>
               </a:solidFill>
               <a:latin typeface="微軟正黑體" pitchFamily="34" charset="-120"/>
               <a:ea typeface="微軟正黑體" pitchFamily="34" charset="-120"/>
+              <a:sym typeface="Microsoft JhengHei"/>
             </a:endParaRPr>
           </a:p>
           <a:p>
             <a:pPr algn="ctr">
+              <a:spcBef>
+                <a:spcPts val="1080"/>
+              </a:spcBef>
+              <a:buClr>
+                <a:srgbClr val="660033"/>
+              </a:buClr>
+              <a:buSzPts val="5400"/>
               <a:buNone/>
             </a:pPr>
             <a:r>
-              <a:rPr lang="zh-TW" altLang="en-US" sz="5400" b="1" dirty="0" smtClean="0">
+              <a:rPr lang="zh-TW" altLang="en-US" sz="6400" b="1" dirty="0">
                 <a:solidFill>
                   <a:srgbClr val="660033"/>
                 </a:solidFill>
                 <a:latin typeface="微軟正黑體" pitchFamily="34" charset="-120"/>
                 <a:ea typeface="微軟正黑體" pitchFamily="34" charset="-120"/>
-              </a:rPr>
-              <a:t>但</a:t>
-            </a:r>
-            <a:r>
-              <a:rPr lang="zh-TW" altLang="en-US" sz="5400" b="1" dirty="0">
+                <a:sym typeface="Microsoft JhengHei"/>
+              </a:rPr>
+              <a:t>學習祢謙卑的樣</a:t>
+            </a:r>
+            <a:r>
+              <a:rPr lang="zh-TW" altLang="en-US" sz="6400" b="1" dirty="0">
                 <a:solidFill>
                   <a:srgbClr val="660033"/>
                 </a:solidFill>
                 <a:latin typeface="微軟正黑體" pitchFamily="34" charset="-120"/>
                 <a:ea typeface="微軟正黑體" pitchFamily="34" charset="-120"/>
-              </a:rPr>
-              <a:t>你卻關心我的</a:t>
-            </a:r>
-            <a:r>
-              <a:rPr lang="zh-TW" altLang="en-US" sz="5400" b="1" dirty="0" smtClean="0">
-                <a:solidFill>
-                  <a:srgbClr val="660033"/>
-                </a:solidFill>
-                <a:latin typeface="微軟正黑體" pitchFamily="34" charset="-120"/>
-                <a:ea typeface="微軟正黑體" pitchFamily="34" charset="-120"/>
-              </a:rPr>
-              <a:t>需要</a:t>
-            </a:r>
-            <a:endParaRPr lang="en-US" altLang="zh-TW" sz="5400" b="1" dirty="0" smtClean="0">
+                <a:sym typeface="Microsoft JhengHei"/>
+              </a:rPr>
+              <a:t>式</a:t>
+            </a:r>
+            <a:endParaRPr lang="zh-TW" altLang="en-US" sz="6400" b="1" dirty="0">
               <a:solidFill>
                 <a:srgbClr val="660033"/>
               </a:solidFill>
               <a:latin typeface="微軟正黑體" pitchFamily="34" charset="-120"/>
               <a:ea typeface="微軟正黑體" pitchFamily="34" charset="-120"/>
+              <a:sym typeface="Microsoft JhengHei"/>
             </a:endParaRPr>
           </a:p>
-          <a:p>
-            <a:pPr algn="ctr">
+        </p:txBody>
+      </p:sp>
+      <p:sp>
+        <p:nvSpPr>
+          <p:cNvPr id="3" name="TextBox 2"/>
+          <p:cNvSpPr txBox="1"/>
+          <p:nvPr/>
+        </p:nvSpPr>
+        <p:spPr>
+          <a:xfrm>
+            <a:off x="0" y="5157192"/>
+            <a:ext cx="12192000" cy="830997"/>
+          </a:xfrm>
+          <a:prstGeom prst="rect">
+            <a:avLst/>
+          </a:prstGeom>
+          <a:noFill/>
+        </p:spPr>
+        <p:txBody>
+          <a:bodyPr wrap="square" rtlCol="0">
+            <a:spAutoFit/>
+          </a:bodyPr>
+          <a:lstStyle/>
+          <a:p>
+            <a:pPr algn="ctr"/>
+            <a:r>
+              <a:rPr lang="en-US" sz="4800" b="1" dirty="0" smtClean="0">
+                <a:solidFill>
+                  <a:srgbClr val="660033"/>
+                </a:solidFill>
+                <a:latin typeface="Microsoft JhengHei" panose="020B0604030504040204" pitchFamily="34" charset="-120"/>
+                <a:ea typeface="Microsoft JhengHei" panose="020B0604030504040204" pitchFamily="34" charset="-120"/>
+              </a:rPr>
+              <a:t>( </a:t>
+            </a:r>
+            <a:r>
+              <a:rPr lang="zh-CN" altLang="en-US" sz="4800" b="1" dirty="0" smtClean="0">
+                <a:solidFill>
+                  <a:srgbClr val="660033"/>
+                </a:solidFill>
+                <a:latin typeface="Microsoft JhengHei" panose="020B0604030504040204" pitchFamily="34" charset="-120"/>
+                <a:ea typeface="Microsoft JhengHei" panose="020B0604030504040204" pitchFamily="34" charset="-120"/>
+              </a:rPr>
+              <a:t>副 </a:t>
+            </a:r>
+            <a:r>
+              <a:rPr lang="en-US" sz="4800" b="1" dirty="0" smtClean="0">
+                <a:solidFill>
+                  <a:srgbClr val="660033"/>
+                </a:solidFill>
+                <a:latin typeface="Microsoft JhengHei" panose="020B0604030504040204" pitchFamily="34" charset="-120"/>
+                <a:ea typeface="Microsoft JhengHei" panose="020B0604030504040204" pitchFamily="34" charset="-120"/>
+              </a:rPr>
+              <a:t>)</a:t>
+            </a:r>
+            <a:endParaRPr lang="vi-VN" sz="4800" b="1" dirty="0">
+              <a:solidFill>
+                <a:srgbClr val="660033"/>
+              </a:solidFill>
+              <a:ea typeface="Microsoft JhengHei" panose="020B0604030504040204" pitchFamily="34" charset="-120"/>
+            </a:endParaRPr>
+          </a:p>
+        </p:txBody>
+      </p:sp>
+    </p:spTree>
+    <p:extLst>
+      <p:ext uri="{BB962C8B-B14F-4D97-AF65-F5344CB8AC3E}">
+        <p14:creationId xmlns:p14="http://schemas.microsoft.com/office/powerpoint/2010/main" val="1359605935"/>
+      </p:ext>
+    </p:extLst>
+  </p:cSld>
+  <p:clrMapOvr>
+    <a:masterClrMapping/>
+  </p:clrMapOvr>
+</p:sld>
+</file>
+
+<file path=ppt/slides/slide12.xml><?xml version="1.0" encoding="utf-8"?>
+<p:sld xmlns:a="http://schemas.openxmlformats.org/drawingml/2006/main" xmlns:r="http://schemas.openxmlformats.org/officeDocument/2006/relationships" xmlns:p="http://schemas.openxmlformats.org/presentationml/2006/main">
+  <p:cSld>
+    <p:spTree>
+      <p:nvGrpSpPr>
+        <p:cNvPr id="1" name=""/>
+        <p:cNvGrpSpPr/>
+        <p:nvPr/>
+      </p:nvGrpSpPr>
+      <p:grpSpPr>
+        <a:xfrm>
+          <a:off x="0" y="0"/>
+          <a:ext cx="0" cy="0"/>
+          <a:chOff x="0" y="0"/>
+          <a:chExt cx="0" cy="0"/>
+        </a:xfrm>
+      </p:grpSpPr>
+      <p:sp>
+        <p:nvSpPr>
+          <p:cNvPr id="5" name="內容版面配置區 4"/>
+          <p:cNvSpPr>
+            <a:spLocks noGrp="1"/>
+          </p:cNvSpPr>
+          <p:nvPr>
+            <p:ph idx="1"/>
+          </p:nvPr>
+        </p:nvSpPr>
+        <p:spPr>
+          <a:xfrm>
+            <a:off x="0" y="2084851"/>
+            <a:ext cx="12192000" cy="2404863"/>
+          </a:xfrm>
+        </p:spPr>
+        <p:txBody>
+          <a:bodyPr anchor="ctr">
+            <a:normAutofit/>
+          </a:bodyPr>
+          <a:lstStyle/>
+          <a:p>
+            <a:pPr lvl="0" algn="ctr">
+              <a:spcBef>
+                <a:spcPts val="1080"/>
+              </a:spcBef>
+              <a:buClr>
+                <a:srgbClr val="660033"/>
+              </a:buClr>
+              <a:buSzPts val="5400"/>
               <a:buNone/>
             </a:pPr>
             <a:r>
-              <a:rPr lang="zh-TW" altLang="en-US" sz="5400" b="1" dirty="0" smtClean="0">
+              <a:rPr lang="zh-TW" altLang="en-US" sz="6400" b="1" dirty="0">
                 <a:solidFill>
                   <a:srgbClr val="660033"/>
                 </a:solidFill>
                 <a:latin typeface="微軟正黑體" pitchFamily="34" charset="-120"/>
                 <a:ea typeface="微軟正黑體" pitchFamily="34" charset="-120"/>
-              </a:rPr>
-              <a:t>瞭解</a:t>
-            </a:r>
-            <a:r>
-              <a:rPr lang="zh-TW" altLang="en-US" sz="5400" b="1" dirty="0">
-                <a:solidFill>
-                  <a:srgbClr val="660033"/>
-                </a:solidFill>
-                <a:latin typeface="微軟正黑體" pitchFamily="34" charset="-120"/>
-                <a:ea typeface="微軟正黑體" pitchFamily="34" charset="-120"/>
-              </a:rPr>
-              <a:t>我的感受</a:t>
-            </a:r>
+                <a:sym typeface="Microsoft JhengHei"/>
+              </a:rPr>
+              <a:t>背起我自己的十字架</a:t>
+            </a:r>
+          </a:p>
+        </p:txBody>
+      </p:sp>
+      <p:sp>
+        <p:nvSpPr>
+          <p:cNvPr id="3" name="TextBox 2"/>
+          <p:cNvSpPr txBox="1"/>
+          <p:nvPr/>
+        </p:nvSpPr>
+        <p:spPr>
+          <a:xfrm>
+            <a:off x="0" y="5157192"/>
+            <a:ext cx="12192000" cy="830997"/>
+          </a:xfrm>
+          <a:prstGeom prst="rect">
+            <a:avLst/>
+          </a:prstGeom>
+          <a:noFill/>
+        </p:spPr>
+        <p:txBody>
+          <a:bodyPr wrap="square" rtlCol="0">
+            <a:spAutoFit/>
+          </a:bodyPr>
+          <a:lstStyle/>
+          <a:p>
+            <a:pPr algn="ctr"/>
+            <a:r>
+              <a:rPr lang="en-US" sz="4800" b="1" dirty="0" smtClean="0">
+                <a:solidFill>
+                  <a:srgbClr val="660033"/>
+                </a:solidFill>
+                <a:latin typeface="Microsoft JhengHei" panose="020B0604030504040204" pitchFamily="34" charset="-120"/>
+                <a:ea typeface="Microsoft JhengHei" panose="020B0604030504040204" pitchFamily="34" charset="-120"/>
+              </a:rPr>
+              <a:t>( </a:t>
+            </a:r>
+            <a:r>
+              <a:rPr lang="zh-CN" altLang="en-US" sz="4800" b="1" dirty="0" smtClean="0">
+                <a:solidFill>
+                  <a:srgbClr val="660033"/>
+                </a:solidFill>
+                <a:latin typeface="Microsoft JhengHei" panose="020B0604030504040204" pitchFamily="34" charset="-120"/>
+                <a:ea typeface="Microsoft JhengHei" panose="020B0604030504040204" pitchFamily="34" charset="-120"/>
+              </a:rPr>
+              <a:t>副 </a:t>
+            </a:r>
+            <a:r>
+              <a:rPr lang="en-US" sz="4800" b="1" dirty="0" smtClean="0">
+                <a:solidFill>
+                  <a:srgbClr val="660033"/>
+                </a:solidFill>
+                <a:latin typeface="Microsoft JhengHei" panose="020B0604030504040204" pitchFamily="34" charset="-120"/>
+                <a:ea typeface="Microsoft JhengHei" panose="020B0604030504040204" pitchFamily="34" charset="-120"/>
+              </a:rPr>
+              <a:t>)</a:t>
+            </a:r>
+            <a:endParaRPr lang="vi-VN" sz="4800" b="1" dirty="0">
+              <a:solidFill>
+                <a:srgbClr val="660033"/>
+              </a:solidFill>
+              <a:ea typeface="Microsoft JhengHei" panose="020B0604030504040204" pitchFamily="34" charset="-120"/>
+            </a:endParaRPr>
           </a:p>
         </p:txBody>
       </p:sp>
     </p:spTree>
+    <p:extLst>
+      <p:ext uri="{BB962C8B-B14F-4D97-AF65-F5344CB8AC3E}">
+        <p14:creationId xmlns:p14="http://schemas.microsoft.com/office/powerpoint/2010/main" val="4168068833"/>
+      </p:ext>
+    </p:extLst>
   </p:cSld>
   <p:clrMapOvr>
     <a:masterClrMapping/>
@@ -3286,63 +3730,82 @@
       </p:grpSpPr>
       <p:sp>
         <p:nvSpPr>
-          <p:cNvPr id="2" name="標題 1"/>
-          <p:cNvSpPr>
-            <a:spLocks noGrp="1"/>
-          </p:cNvSpPr>
-          <p:nvPr>
-            <p:ph type="title"/>
-          </p:nvPr>
-        </p:nvSpPr>
-        <p:spPr/>
-        <p:txBody>
-          <a:bodyPr/>
-          <a:lstStyle/>
-          <a:p>
-            <a:r>
-              <a:rPr lang="zh-TW" altLang="en-US" b="1" dirty="0">
+          <p:cNvPr id="5" name="內容版面配置區 4"/>
+          <p:cNvSpPr>
+            <a:spLocks noGrp="1"/>
+          </p:cNvSpPr>
+          <p:nvPr>
+            <p:ph idx="1"/>
+          </p:nvPr>
+        </p:nvSpPr>
+        <p:spPr>
+          <a:xfrm>
+            <a:off x="0" y="2084851"/>
+            <a:ext cx="12192000" cy="2404863"/>
+          </a:xfrm>
+        </p:spPr>
+        <p:txBody>
+          <a:bodyPr anchor="ctr">
+            <a:normAutofit/>
+          </a:bodyPr>
+          <a:lstStyle/>
+          <a:p>
+            <a:pPr lvl="0" algn="ctr">
+              <a:spcBef>
+                <a:spcPts val="0"/>
+              </a:spcBef>
+              <a:buClr>
+                <a:srgbClr val="660033"/>
+              </a:buClr>
+              <a:buSzPts val="5400"/>
+              <a:buNone/>
+            </a:pPr>
+            <a:r>
+              <a:rPr lang="zh-TW" altLang="en-US" sz="6400" b="1" dirty="0" smtClean="0">
                 <a:solidFill>
                   <a:srgbClr val="660033"/>
                 </a:solidFill>
                 <a:latin typeface="微軟正黑體" pitchFamily="34" charset="-120"/>
                 <a:ea typeface="微軟正黑體" pitchFamily="34" charset="-120"/>
-              </a:rPr>
-              <a:t>你的愛</a:t>
-            </a:r>
-          </a:p>
-        </p:txBody>
-      </p:sp>
-      <p:sp>
-        <p:nvSpPr>
-          <p:cNvPr id="3" name="內容版面配置區 2"/>
-          <p:cNvSpPr>
-            <a:spLocks noGrp="1"/>
-          </p:cNvSpPr>
-          <p:nvPr>
-            <p:ph idx="1"/>
-          </p:nvPr>
-        </p:nvSpPr>
-        <p:spPr/>
-        <p:txBody>
-          <a:bodyPr>
-            <a:normAutofit/>
-          </a:bodyPr>
-          <a:lstStyle/>
-          <a:p>
-            <a:pPr algn="ctr">
-              <a:buNone/>
-            </a:pPr>
-            <a:r>
-              <a:rPr lang="zh-TW" altLang="en-US" sz="5400" b="1" dirty="0">
+                <a:sym typeface="Microsoft JhengHei"/>
+              </a:rPr>
+              <a:t>祢</a:t>
+            </a:r>
+            <a:r>
+              <a:rPr lang="zh-TW" altLang="en-US" sz="6400" b="1" dirty="0">
                 <a:solidFill>
                   <a:srgbClr val="660033"/>
                 </a:solidFill>
                 <a:latin typeface="微軟正黑體" pitchFamily="34" charset="-120"/>
                 <a:ea typeface="微軟正黑體" pitchFamily="34" charset="-120"/>
-              </a:rPr>
-              <a:t>你手鋪陳天上雲彩</a:t>
-            </a:r>
-            <a:endParaRPr lang="en-US" altLang="zh-TW" sz="5400" b="1" dirty="0">
+                <a:sym typeface="Microsoft JhengHei"/>
+              </a:rPr>
+              <a:t>創造宇宙萬物</a:t>
+            </a:r>
+          </a:p>
+          <a:p>
+            <a:pPr lvl="0" algn="ctr">
+              <a:spcBef>
+                <a:spcPts val="1080"/>
+              </a:spcBef>
+              <a:buClr>
+                <a:srgbClr val="660033"/>
+              </a:buClr>
+              <a:buSzPts val="5400"/>
+              <a:buNone/>
+            </a:pPr>
+            <a:r>
+              <a:rPr lang="zh-TW" altLang="en-US" sz="6400" b="1" dirty="0">
+                <a:solidFill>
+                  <a:srgbClr val="660033"/>
+                </a:solidFill>
+                <a:latin typeface="微軟正黑體" pitchFamily="34" charset="-120"/>
+                <a:ea typeface="微軟正黑體" pitchFamily="34" charset="-120"/>
+                <a:sym typeface="Microsoft JhengHei"/>
+              </a:rPr>
+              <a:t>統管一切所有</a:t>
+            </a:r>
+            <a:endParaRPr lang="en-US" altLang="zh-TW" sz="6400" b="1" dirty="0">
               <a:solidFill>
                 <a:srgbClr val="660033"/>
               </a:solidFill>
@@ -3350,68 +3813,76 @@
               <a:ea typeface="微軟正黑體" pitchFamily="34" charset="-120"/>
             </a:endParaRPr>
           </a:p>
-          <a:p>
-            <a:pPr algn="ctr">
-              <a:buNone/>
-            </a:pPr>
-            <a:r>
-              <a:rPr lang="zh-TW" altLang="en-US" sz="5400" b="1" dirty="0">
-                <a:solidFill>
-                  <a:srgbClr val="660033"/>
-                </a:solidFill>
-                <a:latin typeface="微軟正黑體" pitchFamily="34" charset="-120"/>
-                <a:ea typeface="微軟正黑體" pitchFamily="34" charset="-120"/>
-              </a:rPr>
-              <a:t>打造永恆國度</a:t>
-            </a:r>
-            <a:endParaRPr lang="en-US" altLang="zh-TW" sz="5400" b="1" dirty="0">
+        </p:txBody>
+      </p:sp>
+      <p:sp>
+        <p:nvSpPr>
+          <p:cNvPr id="3" name="TextBox 2"/>
+          <p:cNvSpPr txBox="1"/>
+          <p:nvPr/>
+        </p:nvSpPr>
+        <p:spPr>
+          <a:xfrm>
+            <a:off x="0" y="5157192"/>
+            <a:ext cx="12192000" cy="830997"/>
+          </a:xfrm>
+          <a:prstGeom prst="rect">
+            <a:avLst/>
+          </a:prstGeom>
+          <a:noFill/>
+        </p:spPr>
+        <p:txBody>
+          <a:bodyPr wrap="square" rtlCol="0">
+            <a:spAutoFit/>
+          </a:bodyPr>
+          <a:lstStyle/>
+          <a:p>
+            <a:pPr algn="ctr"/>
+            <a:r>
+              <a:rPr lang="en-US" sz="4800" b="1" dirty="0" smtClean="0">
+                <a:solidFill>
+                  <a:srgbClr val="660033"/>
+                </a:solidFill>
+                <a:latin typeface="Microsoft JhengHei" panose="020B0604030504040204" pitchFamily="34" charset="-120"/>
+                <a:ea typeface="Microsoft JhengHei" panose="020B0604030504040204" pitchFamily="34" charset="-120"/>
+              </a:rPr>
+              <a:t>( </a:t>
+            </a:r>
+            <a:r>
+              <a:rPr lang="zh-CN" altLang="en-US" sz="4800" b="1" dirty="0" smtClean="0">
+                <a:solidFill>
+                  <a:srgbClr val="660033"/>
+                </a:solidFill>
+                <a:latin typeface="Microsoft JhengHei" panose="020B0604030504040204" pitchFamily="34" charset="-120"/>
+                <a:ea typeface="Microsoft JhengHei" panose="020B0604030504040204" pitchFamily="34" charset="-120"/>
+              </a:rPr>
+              <a:t>正 </a:t>
+            </a:r>
+            <a:r>
+              <a:rPr lang="en-US" sz="4800" b="1" dirty="0" smtClean="0">
+                <a:solidFill>
+                  <a:srgbClr val="660033"/>
+                </a:solidFill>
+                <a:latin typeface="Microsoft JhengHei" panose="020B0604030504040204" pitchFamily="34" charset="-120"/>
+                <a:ea typeface="Microsoft JhengHei" panose="020B0604030504040204" pitchFamily="34" charset="-120"/>
+              </a:rPr>
+              <a:t>)</a:t>
+            </a:r>
+            <a:endParaRPr lang="vi-VN" sz="4800" b="1" dirty="0">
               <a:solidFill>
                 <a:srgbClr val="660033"/>
               </a:solidFill>
-              <a:latin typeface="微軟正黑體" pitchFamily="34" charset="-120"/>
-              <a:ea typeface="微軟正黑體" pitchFamily="34" charset="-120"/>
+              <a:ea typeface="Microsoft JhengHei" panose="020B0604030504040204" pitchFamily="34" charset="-120"/>
             </a:endParaRPr>
           </a:p>
-          <a:p>
-            <a:pPr algn="ctr">
-              <a:buNone/>
-            </a:pPr>
-            <a:r>
-              <a:rPr lang="zh-TW" altLang="en-US" sz="5400" b="1" dirty="0">
-                <a:solidFill>
-                  <a:srgbClr val="660033"/>
-                </a:solidFill>
-                <a:latin typeface="微軟正黑體" pitchFamily="34" charset="-120"/>
-                <a:ea typeface="微軟正黑體" pitchFamily="34" charset="-120"/>
-              </a:rPr>
-              <a:t>但這雙手卻甘心為我</a:t>
-            </a:r>
-            <a:endParaRPr lang="en-US" altLang="zh-TW" sz="5400" b="1" dirty="0">
-              <a:solidFill>
-                <a:srgbClr val="660033"/>
-              </a:solidFill>
-              <a:latin typeface="微軟正黑體" pitchFamily="34" charset="-120"/>
-              <a:ea typeface="微軟正黑體" pitchFamily="34" charset="-120"/>
-            </a:endParaRPr>
-          </a:p>
-          <a:p>
-            <a:pPr algn="ctr">
-              <a:buNone/>
-            </a:pPr>
-            <a:r>
-              <a:rPr lang="zh-TW" altLang="en-US" sz="5400" b="1" dirty="0">
-                <a:solidFill>
-                  <a:srgbClr val="660033"/>
-                </a:solidFill>
-                <a:latin typeface="微軟正黑體" pitchFamily="34" charset="-120"/>
-                <a:ea typeface="微軟正黑體" pitchFamily="34" charset="-120"/>
-              </a:rPr>
-              <a:t>忍受徹骨釘傷苦痛</a:t>
-            </a:r>
-          </a:p>
         </p:txBody>
       </p:sp>
     </p:spTree>
+    <p:extLst>
+      <p:ext uri="{BB962C8B-B14F-4D97-AF65-F5344CB8AC3E}">
+        <p14:creationId xmlns:p14="http://schemas.microsoft.com/office/powerpoint/2010/main" val="2896326584"/>
+      </p:ext>
+    </p:extLst>
   </p:cSld>
   <p:clrMapOvr>
     <a:masterClrMapping/>
@@ -3438,68 +3909,101 @@
       </p:grpSpPr>
       <p:sp>
         <p:nvSpPr>
-          <p:cNvPr id="2" name="標題 1"/>
-          <p:cNvSpPr>
-            <a:spLocks noGrp="1"/>
-          </p:cNvSpPr>
-          <p:nvPr>
-            <p:ph type="title"/>
-          </p:nvPr>
-        </p:nvSpPr>
-        <p:spPr/>
-        <p:txBody>
-          <a:bodyPr/>
-          <a:lstStyle/>
-          <a:p>
-            <a:r>
-              <a:rPr lang="zh-TW" altLang="en-US" b="1" dirty="0">
+          <p:cNvPr id="5" name="內容版面配置區 4"/>
+          <p:cNvSpPr>
+            <a:spLocks noGrp="1"/>
+          </p:cNvSpPr>
+          <p:nvPr>
+            <p:ph idx="1"/>
+          </p:nvPr>
+        </p:nvSpPr>
+        <p:spPr>
+          <a:xfrm>
+            <a:off x="0" y="2084851"/>
+            <a:ext cx="12192000" cy="2404863"/>
+          </a:xfrm>
+        </p:spPr>
+        <p:txBody>
+          <a:bodyPr anchor="ctr">
+            <a:normAutofit/>
+          </a:bodyPr>
+          <a:lstStyle/>
+          <a:p>
+            <a:pPr lvl="0" algn="ctr">
+              <a:spcBef>
+                <a:spcPts val="1080"/>
+              </a:spcBef>
+              <a:buClr>
+                <a:srgbClr val="660033"/>
+              </a:buClr>
+              <a:buSzPts val="5400"/>
+              <a:buNone/>
+            </a:pPr>
+            <a:r>
+              <a:rPr lang="zh-TW" altLang="en-US" sz="6400" b="1" dirty="0">
                 <a:solidFill>
                   <a:srgbClr val="660033"/>
                 </a:solidFill>
                 <a:latin typeface="微軟正黑體" pitchFamily="34" charset="-120"/>
                 <a:ea typeface="微軟正黑體" pitchFamily="34" charset="-120"/>
-              </a:rPr>
-              <a:t>你的愛</a:t>
-            </a:r>
-          </a:p>
-        </p:txBody>
-      </p:sp>
-      <p:sp>
-        <p:nvSpPr>
-          <p:cNvPr id="3" name="內容版面配置區 2"/>
-          <p:cNvSpPr>
-            <a:spLocks noGrp="1"/>
-          </p:cNvSpPr>
-          <p:nvPr>
-            <p:ph idx="1"/>
-          </p:nvPr>
-        </p:nvSpPr>
-        <p:spPr>
-          <a:xfrm>
-            <a:off x="457200" y="1600200"/>
-            <a:ext cx="8229600" cy="5257800"/>
-          </a:xfrm>
-        </p:spPr>
-        <p:txBody>
-          <a:bodyPr>
-            <a:normAutofit/>
-          </a:bodyPr>
-          <a:lstStyle/>
-          <a:p>
-            <a:pPr algn="ctr">
-              <a:buNone/>
-            </a:pPr>
-            <a:r>
-              <a:rPr lang="zh-TW" altLang="en-US" sz="5400" b="1" dirty="0">
+                <a:sym typeface="Microsoft JhengHei"/>
+              </a:rPr>
+              <a:t>但祢卻關心我的需</a:t>
+            </a:r>
+            <a:r>
+              <a:rPr lang="zh-TW" altLang="en-US" sz="6400" b="1" dirty="0" smtClean="0">
                 <a:solidFill>
                   <a:srgbClr val="660033"/>
                 </a:solidFill>
                 <a:latin typeface="微軟正黑體" pitchFamily="34" charset="-120"/>
                 <a:ea typeface="微軟正黑體" pitchFamily="34" charset="-120"/>
-              </a:rPr>
-              <a:t>你公義審判萬民</a:t>
-            </a:r>
-            <a:endParaRPr lang="en-US" altLang="zh-TW" sz="5400" b="1" dirty="0">
+                <a:sym typeface="Microsoft JhengHei"/>
+              </a:rPr>
+              <a:t>要</a:t>
+            </a:r>
+            <a:endParaRPr lang="en-US" altLang="zh-TW" sz="6400" b="1" dirty="0" smtClean="0">
+              <a:solidFill>
+                <a:srgbClr val="660033"/>
+              </a:solidFill>
+              <a:latin typeface="微軟正黑體" pitchFamily="34" charset="-120"/>
+              <a:ea typeface="微軟正黑體" pitchFamily="34" charset="-120"/>
+              <a:sym typeface="Microsoft JhengHei"/>
+            </a:endParaRPr>
+          </a:p>
+          <a:p>
+            <a:pPr lvl="0" algn="ctr">
+              <a:spcBef>
+                <a:spcPts val="1080"/>
+              </a:spcBef>
+              <a:buClr>
+                <a:srgbClr val="660033"/>
+              </a:buClr>
+              <a:buSzPts val="5400"/>
+              <a:buNone/>
+            </a:pPr>
+            <a:r>
+              <a:rPr lang="zh-TW" altLang="en-US" sz="6400" b="1" dirty="0" smtClean="0">
+                <a:solidFill>
+                  <a:srgbClr val="660033"/>
+                </a:solidFill>
+                <a:latin typeface="微軟正黑體" pitchFamily="34" charset="-120"/>
+                <a:ea typeface="微軟正黑體" pitchFamily="34" charset="-120"/>
+                <a:sym typeface="Microsoft JhengHei"/>
+              </a:rPr>
+              <a:t>瞭</a:t>
+            </a:r>
+            <a:r>
+              <a:rPr lang="zh-TW" altLang="en-US" sz="6400" b="1" dirty="0">
+                <a:solidFill>
+                  <a:srgbClr val="660033"/>
+                </a:solidFill>
+                <a:latin typeface="微軟正黑體" pitchFamily="34" charset="-120"/>
+                <a:ea typeface="微軟正黑體" pitchFamily="34" charset="-120"/>
+                <a:sym typeface="Microsoft JhengHei"/>
+              </a:rPr>
+              <a:t>解我的感受</a:t>
+            </a:r>
+            <a:endParaRPr lang="en-US" altLang="zh-TW" sz="6400" b="1" dirty="0">
               <a:solidFill>
                 <a:srgbClr val="660033"/>
               </a:solidFill>
@@ -3507,90 +4011,76 @@
               <a:ea typeface="微軟正黑體" pitchFamily="34" charset="-120"/>
             </a:endParaRPr>
           </a:p>
-          <a:p>
-            <a:pPr algn="ctr">
-              <a:buNone/>
-            </a:pPr>
-            <a:r>
-              <a:rPr lang="zh-TW" altLang="en-US" sz="5400" b="1" dirty="0">
-                <a:solidFill>
-                  <a:srgbClr val="660033"/>
-                </a:solidFill>
-                <a:latin typeface="微軟正黑體" pitchFamily="34" charset="-120"/>
-                <a:ea typeface="微軟正黑體" pitchFamily="34" charset="-120"/>
-              </a:rPr>
-              <a:t>聖潔光照全地</a:t>
-            </a:r>
-            <a:endParaRPr lang="en-US" altLang="zh-TW" sz="5400" b="1" dirty="0">
+        </p:txBody>
+      </p:sp>
+      <p:sp>
+        <p:nvSpPr>
+          <p:cNvPr id="3" name="TextBox 2"/>
+          <p:cNvSpPr txBox="1"/>
+          <p:nvPr/>
+        </p:nvSpPr>
+        <p:spPr>
+          <a:xfrm>
+            <a:off x="0" y="5157192"/>
+            <a:ext cx="12192000" cy="830997"/>
+          </a:xfrm>
+          <a:prstGeom prst="rect">
+            <a:avLst/>
+          </a:prstGeom>
+          <a:noFill/>
+        </p:spPr>
+        <p:txBody>
+          <a:bodyPr wrap="square" rtlCol="0">
+            <a:spAutoFit/>
+          </a:bodyPr>
+          <a:lstStyle/>
+          <a:p>
+            <a:pPr algn="ctr"/>
+            <a:r>
+              <a:rPr lang="en-US" sz="4800" b="1" dirty="0" smtClean="0">
+                <a:solidFill>
+                  <a:srgbClr val="660033"/>
+                </a:solidFill>
+                <a:latin typeface="Microsoft JhengHei" panose="020B0604030504040204" pitchFamily="34" charset="-120"/>
+                <a:ea typeface="Microsoft JhengHei" panose="020B0604030504040204" pitchFamily="34" charset="-120"/>
+              </a:rPr>
+              <a:t>( </a:t>
+            </a:r>
+            <a:r>
+              <a:rPr lang="zh-CN" altLang="en-US" sz="4800" b="1" dirty="0" smtClean="0">
+                <a:solidFill>
+                  <a:srgbClr val="660033"/>
+                </a:solidFill>
+                <a:latin typeface="Microsoft JhengHei" panose="020B0604030504040204" pitchFamily="34" charset="-120"/>
+                <a:ea typeface="Microsoft JhengHei" panose="020B0604030504040204" pitchFamily="34" charset="-120"/>
+              </a:rPr>
+              <a:t>正 </a:t>
+            </a:r>
+            <a:r>
+              <a:rPr lang="en-US" sz="4800" b="1" dirty="0" smtClean="0">
+                <a:solidFill>
+                  <a:srgbClr val="660033"/>
+                </a:solidFill>
+                <a:latin typeface="Microsoft JhengHei" panose="020B0604030504040204" pitchFamily="34" charset="-120"/>
+                <a:ea typeface="Microsoft JhengHei" panose="020B0604030504040204" pitchFamily="34" charset="-120"/>
+              </a:rPr>
+              <a:t>)</a:t>
+            </a:r>
+            <a:endParaRPr lang="vi-VN" sz="4800" b="1" dirty="0">
               <a:solidFill>
                 <a:srgbClr val="660033"/>
               </a:solidFill>
-              <a:latin typeface="微軟正黑體" pitchFamily="34" charset="-120"/>
-              <a:ea typeface="微軟正黑體" pitchFamily="34" charset="-120"/>
+              <a:ea typeface="Microsoft JhengHei" panose="020B0604030504040204" pitchFamily="34" charset="-120"/>
             </a:endParaRPr>
           </a:p>
-          <a:p>
-            <a:pPr algn="ctr">
-              <a:buNone/>
-            </a:pPr>
-            <a:r>
-              <a:rPr lang="zh-TW" altLang="en-US" sz="5400" b="1" dirty="0">
-                <a:solidFill>
-                  <a:srgbClr val="660033"/>
-                </a:solidFill>
-                <a:latin typeface="微軟正黑體" pitchFamily="34" charset="-120"/>
-                <a:ea typeface="微軟正黑體" pitchFamily="34" charset="-120"/>
-              </a:rPr>
-              <a:t>但你卻一再賜恩典</a:t>
-            </a:r>
-            <a:endParaRPr lang="en-US" altLang="zh-TW" sz="5400" b="1" dirty="0">
-              <a:solidFill>
-                <a:srgbClr val="660033"/>
-              </a:solidFill>
-              <a:latin typeface="微軟正黑體" pitchFamily="34" charset="-120"/>
-              <a:ea typeface="微軟正黑體" pitchFamily="34" charset="-120"/>
-            </a:endParaRPr>
-          </a:p>
-          <a:p>
-            <a:pPr algn="ctr">
-              <a:buNone/>
-            </a:pPr>
-            <a:r>
-              <a:rPr lang="zh-TW" altLang="en-US" sz="5400" b="1" dirty="0">
-                <a:solidFill>
-                  <a:srgbClr val="660033"/>
-                </a:solidFill>
-                <a:latin typeface="微軟正黑體" pitchFamily="34" charset="-120"/>
-                <a:ea typeface="微軟正黑體" pitchFamily="34" charset="-120"/>
-              </a:rPr>
-              <a:t>一再施憐憫</a:t>
-            </a:r>
-            <a:endParaRPr lang="en-US" altLang="zh-TW" sz="5400" b="1" dirty="0">
-              <a:solidFill>
-                <a:srgbClr val="660033"/>
-              </a:solidFill>
-              <a:latin typeface="微軟正黑體" pitchFamily="34" charset="-120"/>
-              <a:ea typeface="微軟正黑體" pitchFamily="34" charset="-120"/>
-            </a:endParaRPr>
-          </a:p>
-          <a:p>
-            <a:pPr algn="ctr">
-              <a:buNone/>
-            </a:pPr>
-            <a:r>
-              <a:rPr lang="zh-TW" altLang="en-US" sz="5400" b="1" dirty="0">
-                <a:solidFill>
-                  <a:srgbClr val="660033"/>
-                </a:solidFill>
-                <a:latin typeface="微軟正黑體" pitchFamily="34" charset="-120"/>
-                <a:ea typeface="微軟正黑體" pitchFamily="34" charset="-120"/>
-              </a:rPr>
-              <a:t>給我機會回轉向你</a:t>
-            </a:r>
-          </a:p>
         </p:txBody>
       </p:sp>
     </p:spTree>
+    <p:extLst>
+      <p:ext uri="{BB962C8B-B14F-4D97-AF65-F5344CB8AC3E}">
+        <p14:creationId xmlns:p14="http://schemas.microsoft.com/office/powerpoint/2010/main" val="531955137"/>
+      </p:ext>
+    </p:extLst>
   </p:cSld>
   <p:clrMapOvr>
     <a:masterClrMapping/>
@@ -3617,137 +4107,141 @@
       </p:grpSpPr>
       <p:sp>
         <p:nvSpPr>
-          <p:cNvPr id="2" name="標題 1"/>
-          <p:cNvSpPr>
-            <a:spLocks noGrp="1"/>
-          </p:cNvSpPr>
-          <p:nvPr>
-            <p:ph type="title"/>
-          </p:nvPr>
-        </p:nvSpPr>
-        <p:spPr/>
-        <p:txBody>
-          <a:bodyPr/>
-          <a:lstStyle/>
-          <a:p>
-            <a:r>
-              <a:rPr lang="zh-TW" altLang="en-US" b="1" dirty="0">
+          <p:cNvPr id="5" name="內容版面配置區 4"/>
+          <p:cNvSpPr>
+            <a:spLocks noGrp="1"/>
+          </p:cNvSpPr>
+          <p:nvPr>
+            <p:ph idx="1"/>
+          </p:nvPr>
+        </p:nvSpPr>
+        <p:spPr>
+          <a:xfrm>
+            <a:off x="0" y="2084851"/>
+            <a:ext cx="12192000" cy="2404863"/>
+          </a:xfrm>
+        </p:spPr>
+        <p:txBody>
+          <a:bodyPr anchor="ctr">
+            <a:normAutofit/>
+          </a:bodyPr>
+          <a:lstStyle/>
+          <a:p>
+            <a:pPr lvl="0" algn="ctr">
+              <a:spcBef>
+                <a:spcPts val="0"/>
+              </a:spcBef>
+              <a:buClr>
+                <a:srgbClr val="660033"/>
+              </a:buClr>
+              <a:buSzPts val="5400"/>
+              <a:buNone/>
+            </a:pPr>
+            <a:r>
+              <a:rPr lang="zh-TW" altLang="en-US" sz="6400" b="1" dirty="0">
                 <a:solidFill>
                   <a:srgbClr val="660033"/>
                 </a:solidFill>
                 <a:latin typeface="微軟正黑體" pitchFamily="34" charset="-120"/>
                 <a:ea typeface="微軟正黑體" pitchFamily="34" charset="-120"/>
-              </a:rPr>
-              <a:t>你的愛</a:t>
-            </a:r>
-          </a:p>
-        </p:txBody>
-      </p:sp>
-      <p:sp>
-        <p:nvSpPr>
-          <p:cNvPr id="3" name="內容版面配置區 2"/>
-          <p:cNvSpPr>
-            <a:spLocks noGrp="1"/>
-          </p:cNvSpPr>
-          <p:nvPr>
-            <p:ph idx="1"/>
-          </p:nvPr>
+                <a:sym typeface="Microsoft JhengHei"/>
+              </a:rPr>
+              <a:t>祢手鋪陳天上雲彩</a:t>
+            </a:r>
+          </a:p>
+          <a:p>
+            <a:pPr lvl="0" algn="ctr">
+              <a:spcBef>
+                <a:spcPts val="1080"/>
+              </a:spcBef>
+              <a:buClr>
+                <a:srgbClr val="660033"/>
+              </a:buClr>
+              <a:buSzPts val="5400"/>
+              <a:buNone/>
+            </a:pPr>
+            <a:r>
+              <a:rPr lang="zh-TW" altLang="en-US" sz="6400" b="1" dirty="0">
+                <a:solidFill>
+                  <a:srgbClr val="660033"/>
+                </a:solidFill>
+                <a:latin typeface="微軟正黑體" pitchFamily="34" charset="-120"/>
+                <a:ea typeface="微軟正黑體" pitchFamily="34" charset="-120"/>
+                <a:sym typeface="Microsoft JhengHei"/>
+              </a:rPr>
+              <a:t>打造永恆國度</a:t>
+            </a:r>
+          </a:p>
+        </p:txBody>
+      </p:sp>
+      <p:sp>
+        <p:nvSpPr>
+          <p:cNvPr id="3" name="TextBox 2"/>
+          <p:cNvSpPr txBox="1"/>
+          <p:nvPr/>
         </p:nvSpPr>
         <p:spPr>
           <a:xfrm>
-            <a:off x="457200" y="1600200"/>
-            <a:ext cx="8229600" cy="5257800"/>
+            <a:off x="0" y="5157192"/>
+            <a:ext cx="12192000" cy="830997"/>
           </a:xfrm>
+          <a:prstGeom prst="rect">
+            <a:avLst/>
+          </a:prstGeom>
+          <a:noFill/>
         </p:spPr>
         <p:txBody>
-          <a:bodyPr>
-            <a:normAutofit/>
+          <a:bodyPr wrap="square" rtlCol="0">
+            <a:spAutoFit/>
           </a:bodyPr>
           <a:lstStyle/>
           <a:p>
-            <a:pPr algn="ctr">
-              <a:buNone/>
-            </a:pPr>
-            <a:r>
-              <a:rPr lang="zh-TW" altLang="en-US" sz="5400" b="1" dirty="0">
-                <a:solidFill>
-                  <a:srgbClr val="660033"/>
-                </a:solidFill>
-                <a:latin typeface="微軟正黑體" pitchFamily="34" charset="-120"/>
-                <a:ea typeface="微軟正黑體" pitchFamily="34" charset="-120"/>
-              </a:rPr>
-              <a:t>你的愛如此溫柔</a:t>
-            </a:r>
-            <a:endParaRPr lang="en-US" altLang="zh-TW" sz="5400" b="1" dirty="0">
+            <a:pPr algn="ctr"/>
+            <a:r>
+              <a:rPr lang="en-US" sz="4800" b="1" dirty="0" smtClean="0">
+                <a:solidFill>
+                  <a:srgbClr val="660033"/>
+                </a:solidFill>
+                <a:latin typeface="Microsoft JhengHei" panose="020B0604030504040204" pitchFamily="34" charset="-120"/>
+                <a:ea typeface="Microsoft JhengHei" panose="020B0604030504040204" pitchFamily="34" charset="-120"/>
+              </a:rPr>
+              <a:t>( </a:t>
+            </a:r>
+            <a:r>
+              <a:rPr lang="zh-CN" altLang="en-US" sz="4800" b="1" dirty="0" smtClean="0">
+                <a:solidFill>
+                  <a:srgbClr val="660033"/>
+                </a:solidFill>
+                <a:latin typeface="Microsoft JhengHei" panose="020B0604030504040204" pitchFamily="34" charset="-120"/>
+                <a:ea typeface="Microsoft JhengHei" panose="020B0604030504040204" pitchFamily="34" charset="-120"/>
+              </a:rPr>
+              <a:t>正 </a:t>
+            </a:r>
+            <a:r>
+              <a:rPr lang="en-US" sz="4800" b="1" dirty="0" smtClean="0">
+                <a:solidFill>
+                  <a:srgbClr val="660033"/>
+                </a:solidFill>
+                <a:latin typeface="Microsoft JhengHei" panose="020B0604030504040204" pitchFamily="34" charset="-120"/>
+                <a:ea typeface="Microsoft JhengHei" panose="020B0604030504040204" pitchFamily="34" charset="-120"/>
+              </a:rPr>
+              <a:t>)</a:t>
+            </a:r>
+            <a:endParaRPr lang="vi-VN" sz="4800" b="1" dirty="0">
               <a:solidFill>
                 <a:srgbClr val="660033"/>
               </a:solidFill>
-              <a:latin typeface="微軟正黑體" pitchFamily="34" charset="-120"/>
-              <a:ea typeface="微軟正黑體" pitchFamily="34" charset="-120"/>
+              <a:ea typeface="Microsoft JhengHei" panose="020B0604030504040204" pitchFamily="34" charset="-120"/>
             </a:endParaRPr>
           </a:p>
-          <a:p>
-            <a:pPr algn="ctr">
-              <a:buNone/>
-            </a:pPr>
-            <a:r>
-              <a:rPr lang="zh-TW" altLang="en-US" sz="5400" b="1" dirty="0">
-                <a:solidFill>
-                  <a:srgbClr val="660033"/>
-                </a:solidFill>
-                <a:latin typeface="微軟正黑體" pitchFamily="34" charset="-120"/>
-                <a:ea typeface="微軟正黑體" pitchFamily="34" charset="-120"/>
-              </a:rPr>
-              <a:t>超乎我心所想</a:t>
-            </a:r>
-            <a:endParaRPr lang="en-US" altLang="zh-TW" sz="5400" b="1" dirty="0">
-              <a:solidFill>
-                <a:srgbClr val="660033"/>
-              </a:solidFill>
-              <a:latin typeface="微軟正黑體" pitchFamily="34" charset="-120"/>
-              <a:ea typeface="微軟正黑體" pitchFamily="34" charset="-120"/>
-            </a:endParaRPr>
-          </a:p>
-          <a:p>
-            <a:pPr algn="ctr">
-              <a:buNone/>
-            </a:pPr>
-            <a:r>
-              <a:rPr lang="zh-TW" altLang="en-US" sz="5400" b="1" dirty="0">
-                <a:solidFill>
-                  <a:srgbClr val="660033"/>
-                </a:solidFill>
-                <a:latin typeface="微軟正黑體" pitchFamily="34" charset="-120"/>
-                <a:ea typeface="微軟正黑體" pitchFamily="34" charset="-120"/>
-              </a:rPr>
-              <a:t>這樣大有能力的主</a:t>
-            </a:r>
-            <a:endParaRPr lang="en-US" altLang="zh-TW" sz="5400" b="1" dirty="0">
-              <a:solidFill>
-                <a:srgbClr val="660033"/>
-              </a:solidFill>
-              <a:latin typeface="微軟正黑體" pitchFamily="34" charset="-120"/>
-              <a:ea typeface="微軟正黑體" pitchFamily="34" charset="-120"/>
-            </a:endParaRPr>
-          </a:p>
-          <a:p>
-            <a:pPr algn="ctr">
-              <a:buNone/>
-            </a:pPr>
-            <a:r>
-              <a:rPr lang="zh-TW" altLang="en-US" sz="5400" b="1" dirty="0">
-                <a:solidFill>
-                  <a:srgbClr val="660033"/>
-                </a:solidFill>
-                <a:latin typeface="微軟正黑體" pitchFamily="34" charset="-120"/>
-                <a:ea typeface="微軟正黑體" pitchFamily="34" charset="-120"/>
-              </a:rPr>
-              <a:t>竟捧我在掌心上</a:t>
-            </a:r>
-          </a:p>
         </p:txBody>
       </p:sp>
     </p:spTree>
+    <p:extLst>
+      <p:ext uri="{BB962C8B-B14F-4D97-AF65-F5344CB8AC3E}">
+        <p14:creationId xmlns:p14="http://schemas.microsoft.com/office/powerpoint/2010/main" val="3977203813"/>
+      </p:ext>
+    </p:extLst>
   </p:cSld>
   <p:clrMapOvr>
     <a:masterClrMapping/>
@@ -3774,68 +4268,71 @@
       </p:grpSpPr>
       <p:sp>
         <p:nvSpPr>
-          <p:cNvPr id="2" name="標題 1"/>
-          <p:cNvSpPr>
-            <a:spLocks noGrp="1"/>
-          </p:cNvSpPr>
-          <p:nvPr>
-            <p:ph type="title"/>
-          </p:nvPr>
-        </p:nvSpPr>
-        <p:spPr/>
-        <p:txBody>
-          <a:bodyPr/>
-          <a:lstStyle/>
-          <a:p>
-            <a:r>
-              <a:rPr lang="zh-TW" altLang="en-US" b="1" dirty="0">
+          <p:cNvPr id="5" name="內容版面配置區 4"/>
+          <p:cNvSpPr>
+            <a:spLocks noGrp="1"/>
+          </p:cNvSpPr>
+          <p:nvPr>
+            <p:ph idx="1"/>
+          </p:nvPr>
+        </p:nvSpPr>
+        <p:spPr>
+          <a:xfrm>
+            <a:off x="0" y="2084851"/>
+            <a:ext cx="12192000" cy="2404863"/>
+          </a:xfrm>
+        </p:spPr>
+        <p:txBody>
+          <a:bodyPr anchor="ctr">
+            <a:normAutofit/>
+          </a:bodyPr>
+          <a:lstStyle/>
+          <a:p>
+            <a:pPr algn="ctr">
+              <a:spcBef>
+                <a:spcPts val="1080"/>
+              </a:spcBef>
+              <a:buClr>
+                <a:srgbClr val="660033"/>
+              </a:buClr>
+              <a:buSzPts val="5400"/>
+              <a:buNone/>
+            </a:pPr>
+            <a:r>
+              <a:rPr lang="zh-TW" altLang="en-US" sz="6400" b="1" dirty="0">
                 <a:solidFill>
                   <a:srgbClr val="660033"/>
                 </a:solidFill>
                 <a:latin typeface="微軟正黑體" pitchFamily="34" charset="-120"/>
                 <a:ea typeface="微軟正黑體" pitchFamily="34" charset="-120"/>
-              </a:rPr>
-              <a:t>你的愛</a:t>
-            </a:r>
-          </a:p>
-        </p:txBody>
-      </p:sp>
-      <p:sp>
-        <p:nvSpPr>
-          <p:cNvPr id="3" name="內容版面配置區 2"/>
-          <p:cNvSpPr>
-            <a:spLocks noGrp="1"/>
-          </p:cNvSpPr>
-          <p:nvPr>
-            <p:ph idx="1"/>
-          </p:nvPr>
-        </p:nvSpPr>
-        <p:spPr>
-          <a:xfrm>
-            <a:off x="457200" y="1600200"/>
-            <a:ext cx="8229600" cy="5257800"/>
-          </a:xfrm>
-        </p:spPr>
-        <p:txBody>
-          <a:bodyPr>
-            <a:normAutofit/>
-          </a:bodyPr>
-          <a:lstStyle/>
+                <a:sym typeface="Microsoft JhengHei"/>
+              </a:rPr>
+              <a:t>但這雙手卻甘心為我</a:t>
+            </a:r>
+          </a:p>
           <a:p>
             <a:pPr algn="ctr">
+              <a:spcBef>
+                <a:spcPts val="1080"/>
+              </a:spcBef>
+              <a:buClr>
+                <a:srgbClr val="660033"/>
+              </a:buClr>
+              <a:buSzPts val="5400"/>
               <a:buNone/>
             </a:pPr>
             <a:r>
-              <a:rPr lang="zh-TW" altLang="en-US" sz="5400" b="1" dirty="0">
+              <a:rPr lang="zh-TW" altLang="en-US" sz="6400" b="1" dirty="0">
                 <a:solidFill>
                   <a:srgbClr val="660033"/>
                 </a:solidFill>
                 <a:latin typeface="微軟正黑體" pitchFamily="34" charset="-120"/>
                 <a:ea typeface="微軟正黑體" pitchFamily="34" charset="-120"/>
-              </a:rPr>
-              <a:t>你的愛如此深切</a:t>
-            </a:r>
-            <a:endParaRPr lang="en-US" altLang="zh-TW" sz="5400" b="1" dirty="0">
+                <a:sym typeface="Microsoft JhengHei"/>
+              </a:rPr>
+              <a:t>忍受徹骨釘傷苦痛</a:t>
+            </a:r>
+            <a:endParaRPr lang="zh-TW" altLang="en-US" sz="6400" b="1" dirty="0">
               <a:solidFill>
                 <a:srgbClr val="660033"/>
               </a:solidFill>
@@ -3843,21 +4340,361 @@
               <a:ea typeface="微軟正黑體" pitchFamily="34" charset="-120"/>
             </a:endParaRPr>
           </a:p>
+        </p:txBody>
+      </p:sp>
+      <p:sp>
+        <p:nvSpPr>
+          <p:cNvPr id="3" name="TextBox 2"/>
+          <p:cNvSpPr txBox="1"/>
+          <p:nvPr/>
+        </p:nvSpPr>
+        <p:spPr>
+          <a:xfrm>
+            <a:off x="0" y="5157192"/>
+            <a:ext cx="12192000" cy="830997"/>
+          </a:xfrm>
+          <a:prstGeom prst="rect">
+            <a:avLst/>
+          </a:prstGeom>
+          <a:noFill/>
+        </p:spPr>
+        <p:txBody>
+          <a:bodyPr wrap="square" rtlCol="0">
+            <a:spAutoFit/>
+          </a:bodyPr>
+          <a:lstStyle/>
+          <a:p>
+            <a:pPr algn="ctr"/>
+            <a:r>
+              <a:rPr lang="en-US" sz="4800" b="1" dirty="0" smtClean="0">
+                <a:solidFill>
+                  <a:srgbClr val="660033"/>
+                </a:solidFill>
+                <a:latin typeface="Microsoft JhengHei" panose="020B0604030504040204" pitchFamily="34" charset="-120"/>
+                <a:ea typeface="Microsoft JhengHei" panose="020B0604030504040204" pitchFamily="34" charset="-120"/>
+              </a:rPr>
+              <a:t>( </a:t>
+            </a:r>
+            <a:r>
+              <a:rPr lang="zh-CN" altLang="en-US" sz="4800" b="1" dirty="0" smtClean="0">
+                <a:solidFill>
+                  <a:srgbClr val="660033"/>
+                </a:solidFill>
+                <a:latin typeface="Microsoft JhengHei" panose="020B0604030504040204" pitchFamily="34" charset="-120"/>
+                <a:ea typeface="Microsoft JhengHei" panose="020B0604030504040204" pitchFamily="34" charset="-120"/>
+              </a:rPr>
+              <a:t>正 </a:t>
+            </a:r>
+            <a:r>
+              <a:rPr lang="en-US" sz="4800" b="1" dirty="0" smtClean="0">
+                <a:solidFill>
+                  <a:srgbClr val="660033"/>
+                </a:solidFill>
+                <a:latin typeface="Microsoft JhengHei" panose="020B0604030504040204" pitchFamily="34" charset="-120"/>
+                <a:ea typeface="Microsoft JhengHei" panose="020B0604030504040204" pitchFamily="34" charset="-120"/>
+              </a:rPr>
+              <a:t>)</a:t>
+            </a:r>
+            <a:endParaRPr lang="vi-VN" sz="4800" b="1" dirty="0">
+              <a:solidFill>
+                <a:srgbClr val="660033"/>
+              </a:solidFill>
+              <a:ea typeface="Microsoft JhengHei" panose="020B0604030504040204" pitchFamily="34" charset="-120"/>
+            </a:endParaRPr>
+          </a:p>
+        </p:txBody>
+      </p:sp>
+    </p:spTree>
+    <p:extLst>
+      <p:ext uri="{BB962C8B-B14F-4D97-AF65-F5344CB8AC3E}">
+        <p14:creationId xmlns:p14="http://schemas.microsoft.com/office/powerpoint/2010/main" val="3071302895"/>
+      </p:ext>
+    </p:extLst>
+  </p:cSld>
+  <p:clrMapOvr>
+    <a:masterClrMapping/>
+  </p:clrMapOvr>
+</p:sld>
+</file>
+
+<file path=ppt/slides/slide6.xml><?xml version="1.0" encoding="utf-8"?>
+<p:sld xmlns:a="http://schemas.openxmlformats.org/drawingml/2006/main" xmlns:r="http://schemas.openxmlformats.org/officeDocument/2006/relationships" xmlns:p="http://schemas.openxmlformats.org/presentationml/2006/main">
+  <p:cSld>
+    <p:spTree>
+      <p:nvGrpSpPr>
+        <p:cNvPr id="1" name=""/>
+        <p:cNvGrpSpPr/>
+        <p:nvPr/>
+      </p:nvGrpSpPr>
+      <p:grpSpPr>
+        <a:xfrm>
+          <a:off x="0" y="0"/>
+          <a:ext cx="0" cy="0"/>
+          <a:chOff x="0" y="0"/>
+          <a:chExt cx="0" cy="0"/>
+        </a:xfrm>
+      </p:grpSpPr>
+      <p:sp>
+        <p:nvSpPr>
+          <p:cNvPr id="5" name="內容版面配置區 4"/>
+          <p:cNvSpPr>
+            <a:spLocks noGrp="1"/>
+          </p:cNvSpPr>
+          <p:nvPr>
+            <p:ph idx="1"/>
+          </p:nvPr>
+        </p:nvSpPr>
+        <p:spPr>
+          <a:xfrm>
+            <a:off x="0" y="2084851"/>
+            <a:ext cx="12192000" cy="2404863"/>
+          </a:xfrm>
+        </p:spPr>
+        <p:txBody>
+          <a:bodyPr anchor="ctr">
+            <a:normAutofit/>
+          </a:bodyPr>
+          <a:lstStyle/>
           <a:p>
             <a:pPr algn="ctr">
+              <a:spcBef>
+                <a:spcPts val="0"/>
+              </a:spcBef>
+              <a:buClr>
+                <a:srgbClr val="660033"/>
+              </a:buClr>
+              <a:buSzPts val="5400"/>
               <a:buNone/>
             </a:pPr>
             <a:r>
-              <a:rPr lang="zh-TW" altLang="en-US" sz="5400" b="1" dirty="0">
+              <a:rPr lang="zh-TW" altLang="en-US" sz="6400" b="1" dirty="0">
                 <a:solidFill>
                   <a:srgbClr val="660033"/>
                 </a:solidFill>
                 <a:latin typeface="微軟正黑體" pitchFamily="34" charset="-120"/>
                 <a:ea typeface="微軟正黑體" pitchFamily="34" charset="-120"/>
-              </a:rPr>
-              <a:t>我知我無以報答</a:t>
-            </a:r>
-            <a:endParaRPr lang="en-US" altLang="zh-TW" sz="5400" b="1" dirty="0">
+                <a:sym typeface="Microsoft JhengHei"/>
+              </a:rPr>
+              <a:t>祢公義審判萬民</a:t>
+            </a:r>
+          </a:p>
+          <a:p>
+            <a:pPr algn="ctr">
+              <a:spcBef>
+                <a:spcPts val="1080"/>
+              </a:spcBef>
+              <a:buClr>
+                <a:srgbClr val="660033"/>
+              </a:buClr>
+              <a:buSzPts val="5400"/>
+              <a:buNone/>
+            </a:pPr>
+            <a:r>
+              <a:rPr lang="zh-TW" altLang="en-US" sz="6400" b="1" dirty="0">
+                <a:solidFill>
+                  <a:srgbClr val="660033"/>
+                </a:solidFill>
+                <a:latin typeface="微軟正黑體" pitchFamily="34" charset="-120"/>
+                <a:ea typeface="微軟正黑體" pitchFamily="34" charset="-120"/>
+                <a:sym typeface="Microsoft JhengHei"/>
+              </a:rPr>
+              <a:t>聖潔光照全地</a:t>
+            </a:r>
+          </a:p>
+        </p:txBody>
+      </p:sp>
+      <p:sp>
+        <p:nvSpPr>
+          <p:cNvPr id="3" name="TextBox 2"/>
+          <p:cNvSpPr txBox="1"/>
+          <p:nvPr/>
+        </p:nvSpPr>
+        <p:spPr>
+          <a:xfrm>
+            <a:off x="0" y="5157192"/>
+            <a:ext cx="12192000" cy="830997"/>
+          </a:xfrm>
+          <a:prstGeom prst="rect">
+            <a:avLst/>
+          </a:prstGeom>
+          <a:noFill/>
+        </p:spPr>
+        <p:txBody>
+          <a:bodyPr wrap="square" rtlCol="0">
+            <a:spAutoFit/>
+          </a:bodyPr>
+          <a:lstStyle/>
+          <a:p>
+            <a:pPr algn="ctr"/>
+            <a:r>
+              <a:rPr lang="en-US" sz="4800" b="1" dirty="0" smtClean="0">
+                <a:solidFill>
+                  <a:srgbClr val="660033"/>
+                </a:solidFill>
+                <a:latin typeface="Microsoft JhengHei" panose="020B0604030504040204" pitchFamily="34" charset="-120"/>
+                <a:ea typeface="Microsoft JhengHei" panose="020B0604030504040204" pitchFamily="34" charset="-120"/>
+              </a:rPr>
+              <a:t>( </a:t>
+            </a:r>
+            <a:r>
+              <a:rPr lang="zh-CN" altLang="en-US" sz="4800" b="1" dirty="0" smtClean="0">
+                <a:solidFill>
+                  <a:srgbClr val="660033"/>
+                </a:solidFill>
+                <a:latin typeface="Microsoft JhengHei" panose="020B0604030504040204" pitchFamily="34" charset="-120"/>
+                <a:ea typeface="Microsoft JhengHei" panose="020B0604030504040204" pitchFamily="34" charset="-120"/>
+              </a:rPr>
+              <a:t>正 </a:t>
+            </a:r>
+            <a:r>
+              <a:rPr lang="en-US" sz="4800" b="1" dirty="0" smtClean="0">
+                <a:solidFill>
+                  <a:srgbClr val="660033"/>
+                </a:solidFill>
+                <a:latin typeface="Microsoft JhengHei" panose="020B0604030504040204" pitchFamily="34" charset="-120"/>
+                <a:ea typeface="Microsoft JhengHei" panose="020B0604030504040204" pitchFamily="34" charset="-120"/>
+              </a:rPr>
+              <a:t>)</a:t>
+            </a:r>
+            <a:endParaRPr lang="vi-VN" sz="4800" b="1" dirty="0">
+              <a:solidFill>
+                <a:srgbClr val="660033"/>
+              </a:solidFill>
+              <a:ea typeface="Microsoft JhengHei" panose="020B0604030504040204" pitchFamily="34" charset="-120"/>
+            </a:endParaRPr>
+          </a:p>
+        </p:txBody>
+      </p:sp>
+    </p:spTree>
+    <p:extLst>
+      <p:ext uri="{BB962C8B-B14F-4D97-AF65-F5344CB8AC3E}">
+        <p14:creationId xmlns:p14="http://schemas.microsoft.com/office/powerpoint/2010/main" val="2483334491"/>
+      </p:ext>
+    </p:extLst>
+  </p:cSld>
+  <p:clrMapOvr>
+    <a:masterClrMapping/>
+  </p:clrMapOvr>
+</p:sld>
+</file>
+
+<file path=ppt/slides/slide7.xml><?xml version="1.0" encoding="utf-8"?>
+<p:sld xmlns:a="http://schemas.openxmlformats.org/drawingml/2006/main" xmlns:r="http://schemas.openxmlformats.org/officeDocument/2006/relationships" xmlns:p="http://schemas.openxmlformats.org/presentationml/2006/main">
+  <p:cSld>
+    <p:spTree>
+      <p:nvGrpSpPr>
+        <p:cNvPr id="1" name=""/>
+        <p:cNvGrpSpPr/>
+        <p:nvPr/>
+      </p:nvGrpSpPr>
+      <p:grpSpPr>
+        <a:xfrm>
+          <a:off x="0" y="0"/>
+          <a:ext cx="0" cy="0"/>
+          <a:chOff x="0" y="0"/>
+          <a:chExt cx="0" cy="0"/>
+        </a:xfrm>
+      </p:grpSpPr>
+      <p:sp>
+        <p:nvSpPr>
+          <p:cNvPr id="5" name="內容版面配置區 4"/>
+          <p:cNvSpPr>
+            <a:spLocks noGrp="1"/>
+          </p:cNvSpPr>
+          <p:nvPr>
+            <p:ph idx="1"/>
+          </p:nvPr>
+        </p:nvSpPr>
+        <p:spPr>
+          <a:xfrm>
+            <a:off x="0" y="2084851"/>
+            <a:ext cx="12192000" cy="2404863"/>
+          </a:xfrm>
+        </p:spPr>
+        <p:txBody>
+          <a:bodyPr anchor="ctr">
+            <a:normAutofit/>
+          </a:bodyPr>
+          <a:lstStyle/>
+          <a:p>
+            <a:pPr algn="ctr">
+              <a:spcBef>
+                <a:spcPts val="1080"/>
+              </a:spcBef>
+              <a:buClr>
+                <a:srgbClr val="660033"/>
+              </a:buClr>
+              <a:buSzPts val="5400"/>
+              <a:buNone/>
+            </a:pPr>
+            <a:r>
+              <a:rPr lang="zh-TW" altLang="en-US" sz="6400" b="1" dirty="0">
+                <a:solidFill>
+                  <a:srgbClr val="660033"/>
+                </a:solidFill>
+                <a:latin typeface="微軟正黑體" pitchFamily="34" charset="-120"/>
+                <a:ea typeface="微軟正黑體" pitchFamily="34" charset="-120"/>
+                <a:sym typeface="Microsoft JhengHei"/>
+              </a:rPr>
+              <a:t>但祢卻一再賜恩</a:t>
+            </a:r>
+            <a:r>
+              <a:rPr lang="zh-TW" altLang="en-US" sz="6400" b="1" dirty="0">
+                <a:solidFill>
+                  <a:srgbClr val="660033"/>
+                </a:solidFill>
+                <a:latin typeface="微軟正黑體" pitchFamily="34" charset="-120"/>
+                <a:ea typeface="微軟正黑體" pitchFamily="34" charset="-120"/>
+                <a:sym typeface="Microsoft JhengHei"/>
+              </a:rPr>
+              <a:t>典  </a:t>
+            </a:r>
+            <a:r>
+              <a:rPr lang="zh-TW" altLang="en-US" sz="6400" b="1" dirty="0" smtClean="0">
+                <a:solidFill>
+                  <a:srgbClr val="660033"/>
+                </a:solidFill>
+                <a:latin typeface="微軟正黑體" pitchFamily="34" charset="-120"/>
+                <a:ea typeface="微軟正黑體" pitchFamily="34" charset="-120"/>
+                <a:sym typeface="Microsoft JhengHei"/>
+              </a:rPr>
+              <a:t> 一</a:t>
+            </a:r>
+            <a:r>
+              <a:rPr lang="zh-TW" altLang="en-US" sz="6400" b="1" dirty="0">
+                <a:solidFill>
+                  <a:srgbClr val="660033"/>
+                </a:solidFill>
+                <a:latin typeface="微軟正黑體" pitchFamily="34" charset="-120"/>
+                <a:ea typeface="微軟正黑體" pitchFamily="34" charset="-120"/>
+                <a:sym typeface="Microsoft JhengHei"/>
+              </a:rPr>
+              <a:t>再施憐憫</a:t>
+            </a:r>
+          </a:p>
+          <a:p>
+            <a:pPr algn="ctr">
+              <a:spcBef>
+                <a:spcPts val="1080"/>
+              </a:spcBef>
+              <a:buClr>
+                <a:srgbClr val="660033"/>
+              </a:buClr>
+              <a:buSzPts val="5400"/>
+              <a:buNone/>
+            </a:pPr>
+            <a:r>
+              <a:rPr lang="zh-TW" altLang="en-US" sz="6400" b="1" dirty="0">
+                <a:solidFill>
+                  <a:srgbClr val="660033"/>
+                </a:solidFill>
+                <a:latin typeface="微軟正黑體" pitchFamily="34" charset="-120"/>
+                <a:ea typeface="微軟正黑體" pitchFamily="34" charset="-120"/>
+                <a:sym typeface="Microsoft JhengHei"/>
+              </a:rPr>
+              <a:t>給我機會回轉向祢</a:t>
+            </a:r>
+            <a:endParaRPr lang="zh-TW" altLang="en-US" sz="6400" b="1" dirty="0">
               <a:solidFill>
                 <a:srgbClr val="660033"/>
               </a:solidFill>
@@ -3865,21 +4702,328 @@
               <a:ea typeface="微軟正黑體" pitchFamily="34" charset="-120"/>
             </a:endParaRPr>
           </a:p>
-          <a:p>
-            <a:pPr algn="ctr">
+        </p:txBody>
+      </p:sp>
+      <p:sp>
+        <p:nvSpPr>
+          <p:cNvPr id="3" name="TextBox 2"/>
+          <p:cNvSpPr txBox="1"/>
+          <p:nvPr/>
+        </p:nvSpPr>
+        <p:spPr>
+          <a:xfrm>
+            <a:off x="0" y="5157192"/>
+            <a:ext cx="12192000" cy="830997"/>
+          </a:xfrm>
+          <a:prstGeom prst="rect">
+            <a:avLst/>
+          </a:prstGeom>
+          <a:noFill/>
+        </p:spPr>
+        <p:txBody>
+          <a:bodyPr wrap="square" rtlCol="0">
+            <a:spAutoFit/>
+          </a:bodyPr>
+          <a:lstStyle/>
+          <a:p>
+            <a:pPr algn="ctr"/>
+            <a:r>
+              <a:rPr lang="en-US" sz="4800" b="1" dirty="0" smtClean="0">
+                <a:solidFill>
+                  <a:srgbClr val="660033"/>
+                </a:solidFill>
+                <a:latin typeface="Microsoft JhengHei" panose="020B0604030504040204" pitchFamily="34" charset="-120"/>
+                <a:ea typeface="Microsoft JhengHei" panose="020B0604030504040204" pitchFamily="34" charset="-120"/>
+              </a:rPr>
+              <a:t>( </a:t>
+            </a:r>
+            <a:r>
+              <a:rPr lang="zh-CN" altLang="en-US" sz="4800" b="1" dirty="0" smtClean="0">
+                <a:solidFill>
+                  <a:srgbClr val="660033"/>
+                </a:solidFill>
+                <a:latin typeface="Microsoft JhengHei" panose="020B0604030504040204" pitchFamily="34" charset="-120"/>
+                <a:ea typeface="Microsoft JhengHei" panose="020B0604030504040204" pitchFamily="34" charset="-120"/>
+              </a:rPr>
+              <a:t>正 </a:t>
+            </a:r>
+            <a:r>
+              <a:rPr lang="en-US" sz="4800" b="1" dirty="0" smtClean="0">
+                <a:solidFill>
+                  <a:srgbClr val="660033"/>
+                </a:solidFill>
+                <a:latin typeface="Microsoft JhengHei" panose="020B0604030504040204" pitchFamily="34" charset="-120"/>
+                <a:ea typeface="Microsoft JhengHei" panose="020B0604030504040204" pitchFamily="34" charset="-120"/>
+              </a:rPr>
+              <a:t>)</a:t>
+            </a:r>
+            <a:endParaRPr lang="vi-VN" sz="4800" b="1" dirty="0">
+              <a:solidFill>
+                <a:srgbClr val="660033"/>
+              </a:solidFill>
+              <a:ea typeface="Microsoft JhengHei" panose="020B0604030504040204" pitchFamily="34" charset="-120"/>
+            </a:endParaRPr>
+          </a:p>
+        </p:txBody>
+      </p:sp>
+    </p:spTree>
+    <p:extLst>
+      <p:ext uri="{BB962C8B-B14F-4D97-AF65-F5344CB8AC3E}">
+        <p14:creationId xmlns:p14="http://schemas.microsoft.com/office/powerpoint/2010/main" val="1021426550"/>
+      </p:ext>
+    </p:extLst>
+  </p:cSld>
+  <p:clrMapOvr>
+    <a:masterClrMapping/>
+  </p:clrMapOvr>
+</p:sld>
+</file>
+
+<file path=ppt/slides/slide8.xml><?xml version="1.0" encoding="utf-8"?>
+<p:sld xmlns:a="http://schemas.openxmlformats.org/drawingml/2006/main" xmlns:r="http://schemas.openxmlformats.org/officeDocument/2006/relationships" xmlns:p="http://schemas.openxmlformats.org/presentationml/2006/main">
+  <p:cSld>
+    <p:spTree>
+      <p:nvGrpSpPr>
+        <p:cNvPr id="1" name=""/>
+        <p:cNvGrpSpPr/>
+        <p:nvPr/>
+      </p:nvGrpSpPr>
+      <p:grpSpPr>
+        <a:xfrm>
+          <a:off x="0" y="0"/>
+          <a:ext cx="0" cy="0"/>
+          <a:chOff x="0" y="0"/>
+          <a:chExt cx="0" cy="0"/>
+        </a:xfrm>
+      </p:grpSpPr>
+      <p:sp>
+        <p:nvSpPr>
+          <p:cNvPr id="5" name="內容版面配置區 4"/>
+          <p:cNvSpPr>
+            <a:spLocks noGrp="1"/>
+          </p:cNvSpPr>
+          <p:nvPr>
+            <p:ph idx="1"/>
+          </p:nvPr>
+        </p:nvSpPr>
+        <p:spPr>
+          <a:xfrm>
+            <a:off x="0" y="2084851"/>
+            <a:ext cx="12192000" cy="2404863"/>
+          </a:xfrm>
+        </p:spPr>
+        <p:txBody>
+          <a:bodyPr anchor="ctr">
+            <a:normAutofit/>
+          </a:bodyPr>
+          <a:lstStyle/>
+          <a:p>
+            <a:pPr lvl="0" algn="ctr">
+              <a:spcBef>
+                <a:spcPts val="0"/>
+              </a:spcBef>
+              <a:buClr>
+                <a:srgbClr val="660033"/>
+              </a:buClr>
+              <a:buSzPts val="5400"/>
               <a:buNone/>
             </a:pPr>
             <a:r>
-              <a:rPr lang="zh-TW" altLang="en-US" sz="5400" b="1" dirty="0">
+              <a:rPr lang="zh-TW" altLang="en-US" sz="6400" b="1" dirty="0">
                 <a:solidFill>
                   <a:srgbClr val="660033"/>
                 </a:solidFill>
                 <a:latin typeface="微軟正黑體" pitchFamily="34" charset="-120"/>
                 <a:ea typeface="微軟正黑體" pitchFamily="34" charset="-120"/>
-              </a:rPr>
-              <a:t>但願倒空我的生命</a:t>
-            </a:r>
-            <a:endParaRPr lang="en-US" altLang="zh-TW" sz="5400" b="1" dirty="0">
+                <a:sym typeface="Microsoft JhengHei"/>
+              </a:rPr>
+              <a:t>祢的愛如此溫柔</a:t>
+            </a:r>
+          </a:p>
+          <a:p>
+            <a:pPr lvl="0" algn="ctr">
+              <a:spcBef>
+                <a:spcPts val="1080"/>
+              </a:spcBef>
+              <a:buClr>
+                <a:srgbClr val="660033"/>
+              </a:buClr>
+              <a:buSzPts val="5400"/>
+              <a:buNone/>
+            </a:pPr>
+            <a:r>
+              <a:rPr lang="zh-TW" altLang="en-US" sz="6400" b="1" dirty="0">
+                <a:solidFill>
+                  <a:srgbClr val="660033"/>
+                </a:solidFill>
+                <a:latin typeface="微軟正黑體" pitchFamily="34" charset="-120"/>
+                <a:ea typeface="微軟正黑體" pitchFamily="34" charset="-120"/>
+                <a:sym typeface="Microsoft JhengHei"/>
+              </a:rPr>
+              <a:t>超乎我心所想</a:t>
+            </a:r>
+          </a:p>
+        </p:txBody>
+      </p:sp>
+      <p:sp>
+        <p:nvSpPr>
+          <p:cNvPr id="3" name="TextBox 2"/>
+          <p:cNvSpPr txBox="1"/>
+          <p:nvPr/>
+        </p:nvSpPr>
+        <p:spPr>
+          <a:xfrm>
+            <a:off x="0" y="5157192"/>
+            <a:ext cx="12192000" cy="830997"/>
+          </a:xfrm>
+          <a:prstGeom prst="rect">
+            <a:avLst/>
+          </a:prstGeom>
+          <a:noFill/>
+        </p:spPr>
+        <p:txBody>
+          <a:bodyPr wrap="square" rtlCol="0">
+            <a:spAutoFit/>
+          </a:bodyPr>
+          <a:lstStyle/>
+          <a:p>
+            <a:pPr algn="ctr"/>
+            <a:r>
+              <a:rPr lang="en-US" sz="4800" b="1" dirty="0" smtClean="0">
+                <a:solidFill>
+                  <a:srgbClr val="660033"/>
+                </a:solidFill>
+                <a:latin typeface="Microsoft JhengHei" panose="020B0604030504040204" pitchFamily="34" charset="-120"/>
+                <a:ea typeface="Microsoft JhengHei" panose="020B0604030504040204" pitchFamily="34" charset="-120"/>
+              </a:rPr>
+              <a:t>( </a:t>
+            </a:r>
+            <a:r>
+              <a:rPr lang="zh-CN" altLang="en-US" sz="4800" b="1" dirty="0" smtClean="0">
+                <a:solidFill>
+                  <a:srgbClr val="660033"/>
+                </a:solidFill>
+                <a:latin typeface="Microsoft JhengHei" panose="020B0604030504040204" pitchFamily="34" charset="-120"/>
+                <a:ea typeface="Microsoft JhengHei" panose="020B0604030504040204" pitchFamily="34" charset="-120"/>
+              </a:rPr>
+              <a:t>副 </a:t>
+            </a:r>
+            <a:r>
+              <a:rPr lang="en-US" sz="4800" b="1" dirty="0" smtClean="0">
+                <a:solidFill>
+                  <a:srgbClr val="660033"/>
+                </a:solidFill>
+                <a:latin typeface="Microsoft JhengHei" panose="020B0604030504040204" pitchFamily="34" charset="-120"/>
+                <a:ea typeface="Microsoft JhengHei" panose="020B0604030504040204" pitchFamily="34" charset="-120"/>
+              </a:rPr>
+              <a:t>)</a:t>
+            </a:r>
+            <a:endParaRPr lang="vi-VN" sz="4800" b="1" dirty="0">
+              <a:solidFill>
+                <a:srgbClr val="660033"/>
+              </a:solidFill>
+              <a:ea typeface="Microsoft JhengHei" panose="020B0604030504040204" pitchFamily="34" charset="-120"/>
+            </a:endParaRPr>
+          </a:p>
+        </p:txBody>
+      </p:sp>
+    </p:spTree>
+    <p:extLst>
+      <p:ext uri="{BB962C8B-B14F-4D97-AF65-F5344CB8AC3E}">
+        <p14:creationId xmlns:p14="http://schemas.microsoft.com/office/powerpoint/2010/main" val="1383279725"/>
+      </p:ext>
+    </p:extLst>
+  </p:cSld>
+  <p:clrMapOvr>
+    <a:masterClrMapping/>
+  </p:clrMapOvr>
+</p:sld>
+</file>
+
+<file path=ppt/slides/slide9.xml><?xml version="1.0" encoding="utf-8"?>
+<p:sld xmlns:a="http://schemas.openxmlformats.org/drawingml/2006/main" xmlns:r="http://schemas.openxmlformats.org/officeDocument/2006/relationships" xmlns:p="http://schemas.openxmlformats.org/presentationml/2006/main">
+  <p:cSld>
+    <p:spTree>
+      <p:nvGrpSpPr>
+        <p:cNvPr id="1" name=""/>
+        <p:cNvGrpSpPr/>
+        <p:nvPr/>
+      </p:nvGrpSpPr>
+      <p:grpSpPr>
+        <a:xfrm>
+          <a:off x="0" y="0"/>
+          <a:ext cx="0" cy="0"/>
+          <a:chOff x="0" y="0"/>
+          <a:chExt cx="0" cy="0"/>
+        </a:xfrm>
+      </p:grpSpPr>
+      <p:sp>
+        <p:nvSpPr>
+          <p:cNvPr id="5" name="內容版面配置區 4"/>
+          <p:cNvSpPr>
+            <a:spLocks noGrp="1"/>
+          </p:cNvSpPr>
+          <p:nvPr>
+            <p:ph idx="1"/>
+          </p:nvPr>
+        </p:nvSpPr>
+        <p:spPr>
+          <a:xfrm>
+            <a:off x="0" y="2084851"/>
+            <a:ext cx="12192000" cy="2404863"/>
+          </a:xfrm>
+        </p:spPr>
+        <p:txBody>
+          <a:bodyPr anchor="ctr">
+            <a:normAutofit/>
+          </a:bodyPr>
+          <a:lstStyle/>
+          <a:p>
+            <a:pPr lvl="0" algn="ctr">
+              <a:spcBef>
+                <a:spcPts val="1080"/>
+              </a:spcBef>
+              <a:buClr>
+                <a:srgbClr val="660033"/>
+              </a:buClr>
+              <a:buSzPts val="5400"/>
+              <a:buNone/>
+            </a:pPr>
+            <a:r>
+              <a:rPr lang="zh-TW" altLang="en-US" sz="6400" b="1" dirty="0">
+                <a:solidFill>
+                  <a:srgbClr val="660033"/>
+                </a:solidFill>
+                <a:latin typeface="微軟正黑體" pitchFamily="34" charset="-120"/>
+                <a:ea typeface="微軟正黑體" pitchFamily="34" charset="-120"/>
+                <a:sym typeface="Microsoft JhengHei"/>
+              </a:rPr>
+              <a:t>這樣大有能力的主</a:t>
+            </a:r>
+          </a:p>
+          <a:p>
+            <a:pPr lvl="0" algn="ctr">
+              <a:spcBef>
+                <a:spcPts val="1080"/>
+              </a:spcBef>
+              <a:buClr>
+                <a:srgbClr val="660033"/>
+              </a:buClr>
+              <a:buSzPts val="5400"/>
+              <a:buNone/>
+            </a:pPr>
+            <a:r>
+              <a:rPr lang="zh-TW" altLang="en-US" sz="6400" b="1" dirty="0">
+                <a:solidFill>
+                  <a:srgbClr val="660033"/>
+                </a:solidFill>
+                <a:latin typeface="微軟正黑體" pitchFamily="34" charset="-120"/>
+                <a:ea typeface="微軟正黑體" pitchFamily="34" charset="-120"/>
+                <a:sym typeface="Microsoft JhengHei"/>
+              </a:rPr>
+              <a:t>竟捧我在手掌心上</a:t>
+            </a:r>
+            <a:endParaRPr lang="zh-TW" altLang="en-US" sz="6400" b="1" dirty="0">
               <a:solidFill>
                 <a:srgbClr val="660033"/>
               </a:solidFill>
@@ -3887,46 +5031,76 @@
               <a:ea typeface="微軟正黑體" pitchFamily="34" charset="-120"/>
             </a:endParaRPr>
           </a:p>
-          <a:p>
-            <a:pPr algn="ctr">
-              <a:buNone/>
-            </a:pPr>
-            <a:r>
-              <a:rPr lang="zh-TW" altLang="en-US" sz="5400" b="1" dirty="0">
-                <a:solidFill>
-                  <a:srgbClr val="660033"/>
-                </a:solidFill>
-                <a:latin typeface="微軟正黑體" pitchFamily="34" charset="-120"/>
-                <a:ea typeface="微軟正黑體" pitchFamily="34" charset="-120"/>
-              </a:rPr>
-              <a:t>學習你謙卑的樣式</a:t>
-            </a:r>
-            <a:endParaRPr lang="en-US" altLang="zh-TW" sz="5400" b="1" dirty="0">
+        </p:txBody>
+      </p:sp>
+      <p:sp>
+        <p:nvSpPr>
+          <p:cNvPr id="3" name="TextBox 2"/>
+          <p:cNvSpPr txBox="1"/>
+          <p:nvPr/>
+        </p:nvSpPr>
+        <p:spPr>
+          <a:xfrm>
+            <a:off x="0" y="5157192"/>
+            <a:ext cx="12192000" cy="830997"/>
+          </a:xfrm>
+          <a:prstGeom prst="rect">
+            <a:avLst/>
+          </a:prstGeom>
+          <a:noFill/>
+        </p:spPr>
+        <p:txBody>
+          <a:bodyPr wrap="square" rtlCol="0">
+            <a:spAutoFit/>
+          </a:bodyPr>
+          <a:lstStyle/>
+          <a:p>
+            <a:pPr algn="ctr"/>
+            <a:r>
+              <a:rPr lang="en-US" sz="4800" b="1" dirty="0" smtClean="0">
+                <a:solidFill>
+                  <a:srgbClr val="660033"/>
+                </a:solidFill>
+                <a:latin typeface="Microsoft JhengHei" panose="020B0604030504040204" pitchFamily="34" charset="-120"/>
+                <a:ea typeface="Microsoft JhengHei" panose="020B0604030504040204" pitchFamily="34" charset="-120"/>
+              </a:rPr>
+              <a:t>( </a:t>
+            </a:r>
+            <a:r>
+              <a:rPr lang="zh-CN" altLang="en-US" sz="4800" b="1" dirty="0" smtClean="0">
+                <a:solidFill>
+                  <a:srgbClr val="660033"/>
+                </a:solidFill>
+                <a:latin typeface="Microsoft JhengHei" panose="020B0604030504040204" pitchFamily="34" charset="-120"/>
+                <a:ea typeface="Microsoft JhengHei" panose="020B0604030504040204" pitchFamily="34" charset="-120"/>
+              </a:rPr>
+              <a:t>副 </a:t>
+            </a:r>
+            <a:r>
+              <a:rPr lang="en-US" sz="4800" b="1" dirty="0" smtClean="0">
+                <a:solidFill>
+                  <a:srgbClr val="660033"/>
+                </a:solidFill>
+                <a:latin typeface="Microsoft JhengHei" panose="020B0604030504040204" pitchFamily="34" charset="-120"/>
+                <a:ea typeface="Microsoft JhengHei" panose="020B0604030504040204" pitchFamily="34" charset="-120"/>
+              </a:rPr>
+              <a:t>)</a:t>
+            </a:r>
+            <a:endParaRPr lang="vi-VN" sz="4800" b="1" dirty="0">
               <a:solidFill>
                 <a:srgbClr val="660033"/>
               </a:solidFill>
-              <a:latin typeface="微軟正黑體" pitchFamily="34" charset="-120"/>
-              <a:ea typeface="微軟正黑體" pitchFamily="34" charset="-120"/>
+              <a:ea typeface="Microsoft JhengHei" panose="020B0604030504040204" pitchFamily="34" charset="-120"/>
             </a:endParaRPr>
           </a:p>
-          <a:p>
-            <a:pPr algn="ctr">
-              <a:buNone/>
-            </a:pPr>
-            <a:r>
-              <a:rPr lang="zh-TW" altLang="en-US" sz="5400" b="1" dirty="0">
-                <a:solidFill>
-                  <a:srgbClr val="660033"/>
-                </a:solidFill>
-                <a:latin typeface="微軟正黑體" pitchFamily="34" charset="-120"/>
-                <a:ea typeface="微軟正黑體" pitchFamily="34" charset="-120"/>
-              </a:rPr>
-              <a:t>背起我自己的十字架</a:t>
-            </a:r>
-          </a:p>
         </p:txBody>
       </p:sp>
     </p:spTree>
+    <p:extLst>
+      <p:ext uri="{BB962C8B-B14F-4D97-AF65-F5344CB8AC3E}">
+        <p14:creationId xmlns:p14="http://schemas.microsoft.com/office/powerpoint/2010/main" val="1306232115"/>
+      </p:ext>
+    </p:extLst>
   </p:cSld>
   <p:clrMapOvr>
     <a:masterClrMapping/>

--- a/你的愛(崇拜版).pptx
+++ b/你的愛(崇拜版).pptx
@@ -172,10 +172,9 @@
           <a:lstStyle/>
           <a:p>
             <a:r>
-              <a:rPr lang="zh-TW" altLang="en-US" smtClean="0"/>
+              <a:rPr lang="zh-TW" altLang="en-US"/>
               <a:t>按一下以編輯母片標題樣式</a:t>
             </a:r>
-            <a:endParaRPr lang="zh-TW" altLang="en-US"/>
           </a:p>
         </p:txBody>
       </p:sp>
@@ -291,10 +290,9 @@
           </a:lstStyle>
           <a:p>
             <a:r>
-              <a:rPr lang="zh-TW" altLang="en-US" smtClean="0"/>
+              <a:rPr lang="zh-TW" altLang="en-US"/>
               <a:t>按一下以編輯母片副標題樣式</a:t>
             </a:r>
-            <a:endParaRPr lang="zh-TW" altLang="en-US"/>
           </a:p>
         </p:txBody>
       </p:sp>
@@ -316,7 +314,7 @@
             <a:fld id="{AA5D9FA9-CE5A-48A6-B3BE-EC410BA02A91}" type="datetimeFigureOut">
               <a:rPr lang="zh-TW" altLang="en-US" smtClean="0"/>
               <a:pPr/>
-              <a:t>2021/11/10</a:t>
+              <a:t>2024/3/9</a:t>
             </a:fld>
             <a:endParaRPr lang="zh-TW" altLang="en-US"/>
           </a:p>
@@ -406,10 +404,9 @@
           <a:lstStyle/>
           <a:p>
             <a:r>
-              <a:rPr lang="zh-TW" altLang="en-US" smtClean="0"/>
+              <a:rPr lang="zh-TW" altLang="en-US"/>
               <a:t>按一下以編輯母片標題樣式</a:t>
             </a:r>
-            <a:endParaRPr lang="zh-TW" altLang="en-US"/>
           </a:p>
         </p:txBody>
       </p:sp>
@@ -430,38 +427,37 @@
           <a:p>
             <a:pPr lvl="0"/>
             <a:r>
-              <a:rPr lang="zh-TW" altLang="en-US" smtClean="0"/>
+              <a:rPr lang="zh-TW" altLang="en-US"/>
               <a:t>按一下以編輯母片文字樣式</a:t>
             </a:r>
           </a:p>
           <a:p>
             <a:pPr lvl="1"/>
             <a:r>
-              <a:rPr lang="zh-TW" altLang="en-US" smtClean="0"/>
+              <a:rPr lang="zh-TW" altLang="en-US"/>
               <a:t>第二層</a:t>
             </a:r>
           </a:p>
           <a:p>
             <a:pPr lvl="2"/>
             <a:r>
-              <a:rPr lang="zh-TW" altLang="en-US" smtClean="0"/>
+              <a:rPr lang="zh-TW" altLang="en-US"/>
               <a:t>第三層</a:t>
             </a:r>
           </a:p>
           <a:p>
             <a:pPr lvl="3"/>
             <a:r>
-              <a:rPr lang="zh-TW" altLang="en-US" smtClean="0"/>
+              <a:rPr lang="zh-TW" altLang="en-US"/>
               <a:t>第四層</a:t>
             </a:r>
           </a:p>
           <a:p>
             <a:pPr lvl="4"/>
             <a:r>
-              <a:rPr lang="zh-TW" altLang="en-US" smtClean="0"/>
+              <a:rPr lang="zh-TW" altLang="en-US"/>
               <a:t>第五層</a:t>
             </a:r>
-            <a:endParaRPr lang="zh-TW" altLang="en-US"/>
           </a:p>
         </p:txBody>
       </p:sp>
@@ -483,7 +479,7 @@
             <a:fld id="{AA5D9FA9-CE5A-48A6-B3BE-EC410BA02A91}" type="datetimeFigureOut">
               <a:rPr lang="zh-TW" altLang="en-US" smtClean="0"/>
               <a:pPr/>
-              <a:t>2021/11/10</a:t>
+              <a:t>2024/3/9</a:t>
             </a:fld>
             <a:endParaRPr lang="zh-TW" altLang="en-US"/>
           </a:p>
@@ -578,10 +574,9 @@
           <a:lstStyle/>
           <a:p>
             <a:r>
-              <a:rPr lang="zh-TW" altLang="en-US" smtClean="0"/>
+              <a:rPr lang="zh-TW" altLang="en-US"/>
               <a:t>按一下以編輯母片標題樣式</a:t>
             </a:r>
-            <a:endParaRPr lang="zh-TW" altLang="en-US"/>
           </a:p>
         </p:txBody>
       </p:sp>
@@ -607,38 +602,37 @@
           <a:p>
             <a:pPr lvl="0"/>
             <a:r>
-              <a:rPr lang="zh-TW" altLang="en-US" smtClean="0"/>
+              <a:rPr lang="zh-TW" altLang="en-US"/>
               <a:t>按一下以編輯母片文字樣式</a:t>
             </a:r>
           </a:p>
           <a:p>
             <a:pPr lvl="1"/>
             <a:r>
-              <a:rPr lang="zh-TW" altLang="en-US" smtClean="0"/>
+              <a:rPr lang="zh-TW" altLang="en-US"/>
               <a:t>第二層</a:t>
             </a:r>
           </a:p>
           <a:p>
             <a:pPr lvl="2"/>
             <a:r>
-              <a:rPr lang="zh-TW" altLang="en-US" smtClean="0"/>
+              <a:rPr lang="zh-TW" altLang="en-US"/>
               <a:t>第三層</a:t>
             </a:r>
           </a:p>
           <a:p>
             <a:pPr lvl="3"/>
             <a:r>
-              <a:rPr lang="zh-TW" altLang="en-US" smtClean="0"/>
+              <a:rPr lang="zh-TW" altLang="en-US"/>
               <a:t>第四層</a:t>
             </a:r>
           </a:p>
           <a:p>
             <a:pPr lvl="4"/>
             <a:r>
-              <a:rPr lang="zh-TW" altLang="en-US" smtClean="0"/>
+              <a:rPr lang="zh-TW" altLang="en-US"/>
               <a:t>第五層</a:t>
             </a:r>
-            <a:endParaRPr lang="zh-TW" altLang="en-US"/>
           </a:p>
         </p:txBody>
       </p:sp>
@@ -660,7 +654,7 @@
             <a:fld id="{AA5D9FA9-CE5A-48A6-B3BE-EC410BA02A91}" type="datetimeFigureOut">
               <a:rPr lang="zh-TW" altLang="en-US" smtClean="0"/>
               <a:pPr/>
-              <a:t>2021/11/10</a:t>
+              <a:t>2024/3/9</a:t>
             </a:fld>
             <a:endParaRPr lang="zh-TW" altLang="en-US"/>
           </a:p>
@@ -750,10 +744,9 @@
           <a:lstStyle/>
           <a:p>
             <a:r>
-              <a:rPr lang="zh-TW" altLang="en-US" smtClean="0"/>
+              <a:rPr lang="zh-TW" altLang="en-US"/>
               <a:t>按一下以編輯母片標題樣式</a:t>
             </a:r>
-            <a:endParaRPr lang="zh-TW" altLang="en-US"/>
           </a:p>
         </p:txBody>
       </p:sp>
@@ -774,38 +767,37 @@
           <a:p>
             <a:pPr lvl="0"/>
             <a:r>
-              <a:rPr lang="zh-TW" altLang="en-US" smtClean="0"/>
+              <a:rPr lang="zh-TW" altLang="en-US"/>
               <a:t>按一下以編輯母片文字樣式</a:t>
             </a:r>
           </a:p>
           <a:p>
             <a:pPr lvl="1"/>
             <a:r>
-              <a:rPr lang="zh-TW" altLang="en-US" smtClean="0"/>
+              <a:rPr lang="zh-TW" altLang="en-US"/>
               <a:t>第二層</a:t>
             </a:r>
           </a:p>
           <a:p>
             <a:pPr lvl="2"/>
             <a:r>
-              <a:rPr lang="zh-TW" altLang="en-US" smtClean="0"/>
+              <a:rPr lang="zh-TW" altLang="en-US"/>
               <a:t>第三層</a:t>
             </a:r>
           </a:p>
           <a:p>
             <a:pPr lvl="3"/>
             <a:r>
-              <a:rPr lang="zh-TW" altLang="en-US" smtClean="0"/>
+              <a:rPr lang="zh-TW" altLang="en-US"/>
               <a:t>第四層</a:t>
             </a:r>
           </a:p>
           <a:p>
             <a:pPr lvl="4"/>
             <a:r>
-              <a:rPr lang="zh-TW" altLang="en-US" smtClean="0"/>
+              <a:rPr lang="zh-TW" altLang="en-US"/>
               <a:t>第五層</a:t>
             </a:r>
-            <a:endParaRPr lang="zh-TW" altLang="en-US"/>
           </a:p>
         </p:txBody>
       </p:sp>
@@ -827,7 +819,7 @@
             <a:fld id="{AA5D9FA9-CE5A-48A6-B3BE-EC410BA02A91}" type="datetimeFigureOut">
               <a:rPr lang="zh-TW" altLang="en-US" smtClean="0"/>
               <a:pPr/>
-              <a:t>2021/11/10</a:t>
+              <a:t>2024/3/9</a:t>
             </a:fld>
             <a:endParaRPr lang="zh-TW" altLang="en-US"/>
           </a:p>
@@ -926,10 +918,9 @@
           </a:lstStyle>
           <a:p>
             <a:r>
-              <a:rPr lang="zh-TW" altLang="en-US" smtClean="0"/>
+              <a:rPr lang="zh-TW" altLang="en-US"/>
               <a:t>按一下以編輯母片標題樣式</a:t>
             </a:r>
-            <a:endParaRPr lang="zh-TW" altLang="en-US"/>
           </a:p>
         </p:txBody>
       </p:sp>
@@ -1046,7 +1037,7 @@
           <a:p>
             <a:pPr lvl="0"/>
             <a:r>
-              <a:rPr lang="zh-TW" altLang="en-US" smtClean="0"/>
+              <a:rPr lang="zh-TW" altLang="en-US"/>
               <a:t>按一下以編輯母片文字樣式</a:t>
             </a:r>
           </a:p>
@@ -1070,7 +1061,7 @@
             <a:fld id="{AA5D9FA9-CE5A-48A6-B3BE-EC410BA02A91}" type="datetimeFigureOut">
               <a:rPr lang="zh-TW" altLang="en-US" smtClean="0"/>
               <a:pPr/>
-              <a:t>2021/11/10</a:t>
+              <a:t>2024/3/9</a:t>
             </a:fld>
             <a:endParaRPr lang="zh-TW" altLang="en-US"/>
           </a:p>
@@ -1160,10 +1151,9 @@
           <a:lstStyle/>
           <a:p>
             <a:r>
-              <a:rPr lang="zh-TW" altLang="en-US" smtClean="0"/>
+              <a:rPr lang="zh-TW" altLang="en-US"/>
               <a:t>按一下以編輯母片標題樣式</a:t>
             </a:r>
-            <a:endParaRPr lang="zh-TW" altLang="en-US"/>
           </a:p>
         </p:txBody>
       </p:sp>
@@ -1217,38 +1207,37 @@
           <a:p>
             <a:pPr lvl="0"/>
             <a:r>
-              <a:rPr lang="zh-TW" altLang="en-US" smtClean="0"/>
+              <a:rPr lang="zh-TW" altLang="en-US"/>
               <a:t>按一下以編輯母片文字樣式</a:t>
             </a:r>
           </a:p>
           <a:p>
             <a:pPr lvl="1"/>
             <a:r>
-              <a:rPr lang="zh-TW" altLang="en-US" smtClean="0"/>
+              <a:rPr lang="zh-TW" altLang="en-US"/>
               <a:t>第二層</a:t>
             </a:r>
           </a:p>
           <a:p>
             <a:pPr lvl="2"/>
             <a:r>
-              <a:rPr lang="zh-TW" altLang="en-US" smtClean="0"/>
+              <a:rPr lang="zh-TW" altLang="en-US"/>
               <a:t>第三層</a:t>
             </a:r>
           </a:p>
           <a:p>
             <a:pPr lvl="3"/>
             <a:r>
-              <a:rPr lang="zh-TW" altLang="en-US" smtClean="0"/>
+              <a:rPr lang="zh-TW" altLang="en-US"/>
               <a:t>第四層</a:t>
             </a:r>
           </a:p>
           <a:p>
             <a:pPr lvl="4"/>
             <a:r>
-              <a:rPr lang="zh-TW" altLang="en-US" smtClean="0"/>
+              <a:rPr lang="zh-TW" altLang="en-US"/>
               <a:t>第五層</a:t>
             </a:r>
-            <a:endParaRPr lang="zh-TW" altLang="en-US"/>
           </a:p>
         </p:txBody>
       </p:sp>
@@ -1302,38 +1291,37 @@
           <a:p>
             <a:pPr lvl="0"/>
             <a:r>
-              <a:rPr lang="zh-TW" altLang="en-US" smtClean="0"/>
+              <a:rPr lang="zh-TW" altLang="en-US"/>
               <a:t>按一下以編輯母片文字樣式</a:t>
             </a:r>
           </a:p>
           <a:p>
             <a:pPr lvl="1"/>
             <a:r>
-              <a:rPr lang="zh-TW" altLang="en-US" smtClean="0"/>
+              <a:rPr lang="zh-TW" altLang="en-US"/>
               <a:t>第二層</a:t>
             </a:r>
           </a:p>
           <a:p>
             <a:pPr lvl="2"/>
             <a:r>
-              <a:rPr lang="zh-TW" altLang="en-US" smtClean="0"/>
+              <a:rPr lang="zh-TW" altLang="en-US"/>
               <a:t>第三層</a:t>
             </a:r>
           </a:p>
           <a:p>
             <a:pPr lvl="3"/>
             <a:r>
-              <a:rPr lang="zh-TW" altLang="en-US" smtClean="0"/>
+              <a:rPr lang="zh-TW" altLang="en-US"/>
               <a:t>第四層</a:t>
             </a:r>
           </a:p>
           <a:p>
             <a:pPr lvl="4"/>
             <a:r>
-              <a:rPr lang="zh-TW" altLang="en-US" smtClean="0"/>
+              <a:rPr lang="zh-TW" altLang="en-US"/>
               <a:t>第五層</a:t>
             </a:r>
-            <a:endParaRPr lang="zh-TW" altLang="en-US"/>
           </a:p>
         </p:txBody>
       </p:sp>
@@ -1355,7 +1343,7 @@
             <a:fld id="{AA5D9FA9-CE5A-48A6-B3BE-EC410BA02A91}" type="datetimeFigureOut">
               <a:rPr lang="zh-TW" altLang="en-US" smtClean="0"/>
               <a:pPr/>
-              <a:t>2021/11/10</a:t>
+              <a:t>2024/3/9</a:t>
             </a:fld>
             <a:endParaRPr lang="zh-TW" altLang="en-US"/>
           </a:p>
@@ -1449,10 +1437,9 @@
           </a:lstStyle>
           <a:p>
             <a:r>
-              <a:rPr lang="zh-TW" altLang="en-US" smtClean="0"/>
+              <a:rPr lang="zh-TW" altLang="en-US"/>
               <a:t>按一下以編輯母片標題樣式</a:t>
             </a:r>
-            <a:endParaRPr lang="zh-TW" altLang="en-US"/>
           </a:p>
         </p:txBody>
       </p:sp>
@@ -1515,7 +1502,7 @@
           <a:p>
             <a:pPr lvl="0"/>
             <a:r>
-              <a:rPr lang="zh-TW" altLang="en-US" smtClean="0"/>
+              <a:rPr lang="zh-TW" altLang="en-US"/>
               <a:t>按一下以編輯母片文字樣式</a:t>
             </a:r>
           </a:p>
@@ -1571,38 +1558,37 @@
           <a:p>
             <a:pPr lvl="0"/>
             <a:r>
-              <a:rPr lang="zh-TW" altLang="en-US" smtClean="0"/>
+              <a:rPr lang="zh-TW" altLang="en-US"/>
               <a:t>按一下以編輯母片文字樣式</a:t>
             </a:r>
           </a:p>
           <a:p>
             <a:pPr lvl="1"/>
             <a:r>
-              <a:rPr lang="zh-TW" altLang="en-US" smtClean="0"/>
+              <a:rPr lang="zh-TW" altLang="en-US"/>
               <a:t>第二層</a:t>
             </a:r>
           </a:p>
           <a:p>
             <a:pPr lvl="2"/>
             <a:r>
-              <a:rPr lang="zh-TW" altLang="en-US" smtClean="0"/>
+              <a:rPr lang="zh-TW" altLang="en-US"/>
               <a:t>第三層</a:t>
             </a:r>
           </a:p>
           <a:p>
             <a:pPr lvl="3"/>
             <a:r>
-              <a:rPr lang="zh-TW" altLang="en-US" smtClean="0"/>
+              <a:rPr lang="zh-TW" altLang="en-US"/>
               <a:t>第四層</a:t>
             </a:r>
           </a:p>
           <a:p>
             <a:pPr lvl="4"/>
             <a:r>
-              <a:rPr lang="zh-TW" altLang="en-US" smtClean="0"/>
+              <a:rPr lang="zh-TW" altLang="en-US"/>
               <a:t>第五層</a:t>
             </a:r>
-            <a:endParaRPr lang="zh-TW" altLang="en-US"/>
           </a:p>
         </p:txBody>
       </p:sp>
@@ -1665,7 +1651,7 @@
           <a:p>
             <a:pPr lvl="0"/>
             <a:r>
-              <a:rPr lang="zh-TW" altLang="en-US" smtClean="0"/>
+              <a:rPr lang="zh-TW" altLang="en-US"/>
               <a:t>按一下以編輯母片文字樣式</a:t>
             </a:r>
           </a:p>
@@ -1721,38 +1707,37 @@
           <a:p>
             <a:pPr lvl="0"/>
             <a:r>
-              <a:rPr lang="zh-TW" altLang="en-US" smtClean="0"/>
+              <a:rPr lang="zh-TW" altLang="en-US"/>
               <a:t>按一下以編輯母片文字樣式</a:t>
             </a:r>
           </a:p>
           <a:p>
             <a:pPr lvl="1"/>
             <a:r>
-              <a:rPr lang="zh-TW" altLang="en-US" smtClean="0"/>
+              <a:rPr lang="zh-TW" altLang="en-US"/>
               <a:t>第二層</a:t>
             </a:r>
           </a:p>
           <a:p>
             <a:pPr lvl="2"/>
             <a:r>
-              <a:rPr lang="zh-TW" altLang="en-US" smtClean="0"/>
+              <a:rPr lang="zh-TW" altLang="en-US"/>
               <a:t>第三層</a:t>
             </a:r>
           </a:p>
           <a:p>
             <a:pPr lvl="3"/>
             <a:r>
-              <a:rPr lang="zh-TW" altLang="en-US" smtClean="0"/>
+              <a:rPr lang="zh-TW" altLang="en-US"/>
               <a:t>第四層</a:t>
             </a:r>
           </a:p>
           <a:p>
             <a:pPr lvl="4"/>
             <a:r>
-              <a:rPr lang="zh-TW" altLang="en-US" smtClean="0"/>
+              <a:rPr lang="zh-TW" altLang="en-US"/>
               <a:t>第五層</a:t>
             </a:r>
-            <a:endParaRPr lang="zh-TW" altLang="en-US"/>
           </a:p>
         </p:txBody>
       </p:sp>
@@ -1774,7 +1759,7 @@
             <a:fld id="{AA5D9FA9-CE5A-48A6-B3BE-EC410BA02A91}" type="datetimeFigureOut">
               <a:rPr lang="zh-TW" altLang="en-US" smtClean="0"/>
               <a:pPr/>
-              <a:t>2021/11/10</a:t>
+              <a:t>2024/3/9</a:t>
             </a:fld>
             <a:endParaRPr lang="zh-TW" altLang="en-US"/>
           </a:p>
@@ -1864,10 +1849,9 @@
           <a:lstStyle/>
           <a:p>
             <a:r>
-              <a:rPr lang="zh-TW" altLang="en-US" smtClean="0"/>
+              <a:rPr lang="zh-TW" altLang="en-US"/>
               <a:t>按一下以編輯母片標題樣式</a:t>
             </a:r>
-            <a:endParaRPr lang="zh-TW" altLang="en-US"/>
           </a:p>
         </p:txBody>
       </p:sp>
@@ -1889,7 +1873,7 @@
             <a:fld id="{AA5D9FA9-CE5A-48A6-B3BE-EC410BA02A91}" type="datetimeFigureOut">
               <a:rPr lang="zh-TW" altLang="en-US" smtClean="0"/>
               <a:pPr/>
-              <a:t>2021/11/10</a:t>
+              <a:t>2024/3/9</a:t>
             </a:fld>
             <a:endParaRPr lang="zh-TW" altLang="en-US"/>
           </a:p>
@@ -1981,7 +1965,7 @@
             <a:fld id="{AA5D9FA9-CE5A-48A6-B3BE-EC410BA02A91}" type="datetimeFigureOut">
               <a:rPr lang="zh-TW" altLang="en-US" smtClean="0"/>
               <a:pPr/>
-              <a:t>2021/11/10</a:t>
+              <a:t>2024/3/9</a:t>
             </a:fld>
             <a:endParaRPr lang="zh-TW" altLang="en-US"/>
           </a:p>
@@ -2080,10 +2064,9 @@
           </a:lstStyle>
           <a:p>
             <a:r>
-              <a:rPr lang="zh-TW" altLang="en-US" smtClean="0"/>
+              <a:rPr lang="zh-TW" altLang="en-US"/>
               <a:t>按一下以編輯母片標題樣式</a:t>
             </a:r>
-            <a:endParaRPr lang="zh-TW" altLang="en-US"/>
           </a:p>
         </p:txBody>
       </p:sp>
@@ -2137,38 +2120,37 @@
           <a:p>
             <a:pPr lvl="0"/>
             <a:r>
-              <a:rPr lang="zh-TW" altLang="en-US" smtClean="0"/>
+              <a:rPr lang="zh-TW" altLang="en-US"/>
               <a:t>按一下以編輯母片文字樣式</a:t>
             </a:r>
           </a:p>
           <a:p>
             <a:pPr lvl="1"/>
             <a:r>
-              <a:rPr lang="zh-TW" altLang="en-US" smtClean="0"/>
+              <a:rPr lang="zh-TW" altLang="en-US"/>
               <a:t>第二層</a:t>
             </a:r>
           </a:p>
           <a:p>
             <a:pPr lvl="2"/>
             <a:r>
-              <a:rPr lang="zh-TW" altLang="en-US" smtClean="0"/>
+              <a:rPr lang="zh-TW" altLang="en-US"/>
               <a:t>第三層</a:t>
             </a:r>
           </a:p>
           <a:p>
             <a:pPr lvl="3"/>
             <a:r>
-              <a:rPr lang="zh-TW" altLang="en-US" smtClean="0"/>
+              <a:rPr lang="zh-TW" altLang="en-US"/>
               <a:t>第四層</a:t>
             </a:r>
           </a:p>
           <a:p>
             <a:pPr lvl="4"/>
             <a:r>
-              <a:rPr lang="zh-TW" altLang="en-US" smtClean="0"/>
+              <a:rPr lang="zh-TW" altLang="en-US"/>
               <a:t>第五層</a:t>
             </a:r>
-            <a:endParaRPr lang="zh-TW" altLang="en-US"/>
           </a:p>
         </p:txBody>
       </p:sp>
@@ -2231,7 +2213,7 @@
           <a:p>
             <a:pPr lvl="0"/>
             <a:r>
-              <a:rPr lang="zh-TW" altLang="en-US" smtClean="0"/>
+              <a:rPr lang="zh-TW" altLang="en-US"/>
               <a:t>按一下以編輯母片文字樣式</a:t>
             </a:r>
           </a:p>
@@ -2255,7 +2237,7 @@
             <a:fld id="{AA5D9FA9-CE5A-48A6-B3BE-EC410BA02A91}" type="datetimeFigureOut">
               <a:rPr lang="zh-TW" altLang="en-US" smtClean="0"/>
               <a:pPr/>
-              <a:t>2021/11/10</a:t>
+              <a:t>2024/3/9</a:t>
             </a:fld>
             <a:endParaRPr lang="zh-TW" altLang="en-US"/>
           </a:p>
@@ -2354,10 +2336,9 @@
           </a:lstStyle>
           <a:p>
             <a:r>
-              <a:rPr lang="zh-TW" altLang="en-US" smtClean="0"/>
+              <a:rPr lang="zh-TW" altLang="en-US"/>
               <a:t>按一下以編輯母片標題樣式</a:t>
             </a:r>
-            <a:endParaRPr lang="zh-TW" altLang="en-US"/>
           </a:p>
         </p:txBody>
       </p:sp>
@@ -2419,10 +2400,9 @@
           </a:lstStyle>
           <a:p>
             <a:r>
-              <a:rPr lang="zh-TW" altLang="en-US" smtClean="0"/>
+              <a:rPr lang="zh-TW" altLang="en-US"/>
               <a:t>按一下圖示以新增圖片</a:t>
             </a:r>
-            <a:endParaRPr lang="zh-TW" altLang="en-US"/>
           </a:p>
         </p:txBody>
       </p:sp>
@@ -2485,7 +2465,7 @@
           <a:p>
             <a:pPr lvl="0"/>
             <a:r>
-              <a:rPr lang="zh-TW" altLang="en-US" smtClean="0"/>
+              <a:rPr lang="zh-TW" altLang="en-US"/>
               <a:t>按一下以編輯母片文字樣式</a:t>
             </a:r>
           </a:p>
@@ -2509,7 +2489,7 @@
             <a:fld id="{AA5D9FA9-CE5A-48A6-B3BE-EC410BA02A91}" type="datetimeFigureOut">
               <a:rPr lang="zh-TW" altLang="en-US" smtClean="0"/>
               <a:pPr/>
-              <a:t>2021/11/10</a:t>
+              <a:t>2024/3/9</a:t>
             </a:fld>
             <a:endParaRPr lang="zh-TW" altLang="en-US"/>
           </a:p>
@@ -2619,10 +2599,9 @@
           <a:lstStyle/>
           <a:p>
             <a:r>
-              <a:rPr lang="zh-TW" altLang="en-US" smtClean="0"/>
+              <a:rPr lang="zh-TW" altLang="en-US"/>
               <a:t>按一下以編輯母片標題樣式</a:t>
             </a:r>
-            <a:endParaRPr lang="zh-TW" altLang="en-US"/>
           </a:p>
         </p:txBody>
       </p:sp>
@@ -2653,38 +2632,37 @@
           <a:p>
             <a:pPr lvl="0"/>
             <a:r>
-              <a:rPr lang="zh-TW" altLang="en-US" smtClean="0"/>
+              <a:rPr lang="zh-TW" altLang="en-US"/>
               <a:t>按一下以編輯母片文字樣式</a:t>
             </a:r>
           </a:p>
           <a:p>
             <a:pPr lvl="1"/>
             <a:r>
-              <a:rPr lang="zh-TW" altLang="en-US" smtClean="0"/>
+              <a:rPr lang="zh-TW" altLang="en-US"/>
               <a:t>第二層</a:t>
             </a:r>
           </a:p>
           <a:p>
             <a:pPr lvl="2"/>
             <a:r>
-              <a:rPr lang="zh-TW" altLang="en-US" smtClean="0"/>
+              <a:rPr lang="zh-TW" altLang="en-US"/>
               <a:t>第三層</a:t>
             </a:r>
           </a:p>
           <a:p>
             <a:pPr lvl="3"/>
             <a:r>
-              <a:rPr lang="zh-TW" altLang="en-US" smtClean="0"/>
+              <a:rPr lang="zh-TW" altLang="en-US"/>
               <a:t>第四層</a:t>
             </a:r>
           </a:p>
           <a:p>
             <a:pPr lvl="4"/>
             <a:r>
-              <a:rPr lang="zh-TW" altLang="en-US" smtClean="0"/>
+              <a:rPr lang="zh-TW" altLang="en-US"/>
               <a:t>第五層</a:t>
             </a:r>
-            <a:endParaRPr lang="zh-TW" altLang="en-US"/>
           </a:p>
         </p:txBody>
       </p:sp>
@@ -2724,7 +2702,7 @@
             <a:fld id="{AA5D9FA9-CE5A-48A6-B3BE-EC410BA02A91}" type="datetimeFigureOut">
               <a:rPr lang="zh-TW" altLang="en-US" smtClean="0"/>
               <a:pPr/>
-              <a:t>2021/11/10</a:t>
+              <a:t>2024/3/9</a:t>
             </a:fld>
             <a:endParaRPr lang="zh-TW" altLang="en-US"/>
           </a:p>
@@ -3118,7 +3096,7 @@
           <a:lstStyle/>
           <a:p>
             <a:r>
-              <a:rPr lang="zh-CN" altLang="en-US" sz="7200" b="1" i="1" dirty="0" smtClean="0">
+              <a:rPr lang="zh-CN" altLang="en-US" sz="7200" b="1" i="1" dirty="0">
                 <a:solidFill>
                   <a:srgbClr val="660033"/>
                 </a:solidFill>
@@ -3241,18 +3219,7 @@
                 <a:ea typeface="微軟正黑體" pitchFamily="34" charset="-120"/>
                 <a:sym typeface="Microsoft JhengHei"/>
               </a:rPr>
-              <a:t>祢的愛如此深</a:t>
-            </a:r>
-            <a:r>
-              <a:rPr lang="zh-TW" altLang="en-US" sz="6400" b="1" dirty="0">
-                <a:solidFill>
-                  <a:srgbClr val="660033"/>
-                </a:solidFill>
-                <a:latin typeface="微軟正黑體" pitchFamily="34" charset="-120"/>
-                <a:ea typeface="微軟正黑體" pitchFamily="34" charset="-120"/>
-                <a:sym typeface="Microsoft JhengHei"/>
-              </a:rPr>
-              <a:t>切</a:t>
+              <a:t>祢的愛如此深切</a:t>
             </a:r>
           </a:p>
           <a:p>
@@ -3277,14 +3244,6 @@
               </a:rPr>
               <a:t>我知我無以報答</a:t>
             </a:r>
-            <a:endParaRPr lang="zh-TW" altLang="en-US" sz="6400" b="1" dirty="0">
-              <a:solidFill>
-                <a:srgbClr val="660033"/>
-              </a:solidFill>
-              <a:latin typeface="微軟正黑體" pitchFamily="34" charset="-120"/>
-              <a:ea typeface="微軟正黑體" pitchFamily="34" charset="-120"/>
-              <a:sym typeface="Microsoft JhengHei"/>
-            </a:endParaRPr>
           </a:p>
         </p:txBody>
       </p:sp>
@@ -3297,7 +3256,7 @@
         <p:spPr>
           <a:xfrm>
             <a:off x="0" y="5157192"/>
-            <a:ext cx="12192000" cy="830997"/>
+            <a:ext cx="12192000" cy="646331"/>
           </a:xfrm>
           <a:prstGeom prst="rect">
             <a:avLst/>
@@ -3312,7 +3271,7 @@
           <a:p>
             <a:pPr algn="ctr"/>
             <a:r>
-              <a:rPr lang="en-US" sz="4800" b="1" dirty="0" smtClean="0">
+              <a:rPr lang="en-US" sz="3600" b="1" dirty="0">
                 <a:solidFill>
                   <a:srgbClr val="660033"/>
                 </a:solidFill>
@@ -3322,17 +3281,17 @@
               <a:t>( </a:t>
             </a:r>
             <a:r>
-              <a:rPr lang="zh-CN" altLang="en-US" sz="4800" b="1" dirty="0" smtClean="0">
+              <a:rPr lang="zh-CN" altLang="en-US" sz="3600" b="1" dirty="0">
                 <a:solidFill>
                   <a:srgbClr val="660033"/>
                 </a:solidFill>
                 <a:latin typeface="Microsoft JhengHei" panose="020B0604030504040204" pitchFamily="34" charset="-120"/>
                 <a:ea typeface="Microsoft JhengHei" panose="020B0604030504040204" pitchFamily="34" charset="-120"/>
               </a:rPr>
-              <a:t>副 </a:t>
-            </a:r>
-            <a:r>
-              <a:rPr lang="en-US" sz="4800" b="1" dirty="0" smtClean="0">
+              <a:t>副歌 </a:t>
+            </a:r>
+            <a:r>
+              <a:rPr lang="en-US" sz="3600" b="1" dirty="0">
                 <a:solidFill>
                   <a:srgbClr val="660033"/>
                 </a:solidFill>
@@ -3341,7 +3300,7 @@
               </a:rPr>
               <a:t>)</a:t>
             </a:r>
-            <a:endParaRPr lang="vi-VN" sz="4800" b="1" dirty="0">
+            <a:endParaRPr lang="vi-VN" sz="3600" b="1" dirty="0">
               <a:solidFill>
                 <a:srgbClr val="660033"/>
               </a:solidFill>
@@ -3421,29 +3380,7 @@
                 <a:ea typeface="微軟正黑體" pitchFamily="34" charset="-120"/>
                 <a:sym typeface="Microsoft JhengHei"/>
               </a:rPr>
-              <a:t>但</a:t>
-            </a:r>
-            <a:r>
-              <a:rPr lang="zh-TW" altLang="en-US" sz="6400" b="1" dirty="0">
-                <a:solidFill>
-                  <a:srgbClr val="660033"/>
-                </a:solidFill>
-                <a:latin typeface="微軟正黑體" pitchFamily="34" charset="-120"/>
-                <a:ea typeface="微軟正黑體" pitchFamily="34" charset="-120"/>
-                <a:sym typeface="Microsoft JhengHei"/>
-              </a:rPr>
-              <a:t>願倒空我的生</a:t>
-            </a:r>
-            <a:r>
-              <a:rPr lang="zh-TW" altLang="en-US" sz="6400" b="1" dirty="0">
-                <a:solidFill>
-                  <a:srgbClr val="660033"/>
-                </a:solidFill>
-                <a:latin typeface="微軟正黑體" pitchFamily="34" charset="-120"/>
-                <a:ea typeface="微軟正黑體" pitchFamily="34" charset="-120"/>
-                <a:sym typeface="Microsoft JhengHei"/>
-              </a:rPr>
-              <a:t>命</a:t>
+              <a:t>但願倒空我的生命</a:t>
             </a:r>
             <a:endParaRPr lang="en-US" altLang="zh-TW" sz="6400" b="1" dirty="0">
               <a:solidFill>
@@ -3474,27 +3411,8 @@
                 <a:ea typeface="微軟正黑體" pitchFamily="34" charset="-120"/>
                 <a:sym typeface="Microsoft JhengHei"/>
               </a:rPr>
-              <a:t>學習祢謙卑的樣</a:t>
-            </a:r>
-            <a:r>
-              <a:rPr lang="zh-TW" altLang="en-US" sz="6400" b="1" dirty="0">
-                <a:solidFill>
-                  <a:srgbClr val="660033"/>
-                </a:solidFill>
-                <a:latin typeface="微軟正黑體" pitchFamily="34" charset="-120"/>
-                <a:ea typeface="微軟正黑體" pitchFamily="34" charset="-120"/>
-                <a:sym typeface="Microsoft JhengHei"/>
-              </a:rPr>
-              <a:t>式</a:t>
-            </a:r>
-            <a:endParaRPr lang="zh-TW" altLang="en-US" sz="6400" b="1" dirty="0">
-              <a:solidFill>
-                <a:srgbClr val="660033"/>
-              </a:solidFill>
-              <a:latin typeface="微軟正黑體" pitchFamily="34" charset="-120"/>
-              <a:ea typeface="微軟正黑體" pitchFamily="34" charset="-120"/>
-              <a:sym typeface="Microsoft JhengHei"/>
-            </a:endParaRPr>
+              <a:t>學習祢謙卑的樣式</a:t>
+            </a:r>
           </a:p>
         </p:txBody>
       </p:sp>
@@ -3507,7 +3425,7 @@
         <p:spPr>
           <a:xfrm>
             <a:off x="0" y="5157192"/>
-            <a:ext cx="12192000" cy="830997"/>
+            <a:ext cx="12192000" cy="646331"/>
           </a:xfrm>
           <a:prstGeom prst="rect">
             <a:avLst/>
@@ -3522,7 +3440,7 @@
           <a:p>
             <a:pPr algn="ctr"/>
             <a:r>
-              <a:rPr lang="en-US" sz="4800" b="1" dirty="0" smtClean="0">
+              <a:rPr lang="en-US" sz="3600" b="1" dirty="0">
                 <a:solidFill>
                   <a:srgbClr val="660033"/>
                 </a:solidFill>
@@ -3532,17 +3450,17 @@
               <a:t>( </a:t>
             </a:r>
             <a:r>
-              <a:rPr lang="zh-CN" altLang="en-US" sz="4800" b="1" dirty="0" smtClean="0">
+              <a:rPr lang="zh-CN" altLang="en-US" sz="3600" b="1" dirty="0">
                 <a:solidFill>
                   <a:srgbClr val="660033"/>
                 </a:solidFill>
                 <a:latin typeface="Microsoft JhengHei" panose="020B0604030504040204" pitchFamily="34" charset="-120"/>
                 <a:ea typeface="Microsoft JhengHei" panose="020B0604030504040204" pitchFamily="34" charset="-120"/>
               </a:rPr>
-              <a:t>副 </a:t>
-            </a:r>
-            <a:r>
-              <a:rPr lang="en-US" sz="4800" b="1" dirty="0" smtClean="0">
+              <a:t>副歌 </a:t>
+            </a:r>
+            <a:r>
+              <a:rPr lang="en-US" sz="3600" b="1" dirty="0">
                 <a:solidFill>
                   <a:srgbClr val="660033"/>
                 </a:solidFill>
@@ -3551,7 +3469,7 @@
               </a:rPr>
               <a:t>)</a:t>
             </a:r>
-            <a:endParaRPr lang="vi-VN" sz="4800" b="1" dirty="0">
+            <a:endParaRPr lang="vi-VN" sz="3600" b="1" dirty="0">
               <a:solidFill>
                 <a:srgbClr val="660033"/>
               </a:solidFill>
@@ -3645,7 +3563,7 @@
         <p:spPr>
           <a:xfrm>
             <a:off x="0" y="5157192"/>
-            <a:ext cx="12192000" cy="830997"/>
+            <a:ext cx="12192000" cy="646331"/>
           </a:xfrm>
           <a:prstGeom prst="rect">
             <a:avLst/>
@@ -3660,7 +3578,7 @@
           <a:p>
             <a:pPr algn="ctr"/>
             <a:r>
-              <a:rPr lang="en-US" sz="4800" b="1" dirty="0" smtClean="0">
+              <a:rPr lang="en-US" sz="3600" b="1" dirty="0">
                 <a:solidFill>
                   <a:srgbClr val="660033"/>
                 </a:solidFill>
@@ -3670,17 +3588,17 @@
               <a:t>( </a:t>
             </a:r>
             <a:r>
-              <a:rPr lang="zh-CN" altLang="en-US" sz="4800" b="1" dirty="0" smtClean="0">
+              <a:rPr lang="zh-CN" altLang="en-US" sz="3600" b="1" dirty="0">
                 <a:solidFill>
                   <a:srgbClr val="660033"/>
                 </a:solidFill>
                 <a:latin typeface="Microsoft JhengHei" panose="020B0604030504040204" pitchFamily="34" charset="-120"/>
                 <a:ea typeface="Microsoft JhengHei" panose="020B0604030504040204" pitchFamily="34" charset="-120"/>
               </a:rPr>
-              <a:t>副 </a:t>
-            </a:r>
-            <a:r>
-              <a:rPr lang="en-US" sz="4800" b="1" dirty="0" smtClean="0">
+              <a:t>副歌 </a:t>
+            </a:r>
+            <a:r>
+              <a:rPr lang="en-US" sz="3600" b="1" dirty="0">
                 <a:solidFill>
                   <a:srgbClr val="660033"/>
                 </a:solidFill>
@@ -3689,7 +3607,7 @@
               </a:rPr>
               <a:t>)</a:t>
             </a:r>
-            <a:endParaRPr lang="vi-VN" sz="4800" b="1" dirty="0">
+            <a:endParaRPr lang="vi-VN" sz="3600" b="1" dirty="0">
               <a:solidFill>
                 <a:srgbClr val="660033"/>
               </a:solidFill>
@@ -3761,7 +3679,7 @@
               <a:buNone/>
             </a:pPr>
             <a:r>
-              <a:rPr lang="zh-TW" altLang="en-US" sz="6400" b="1" dirty="0" smtClean="0">
+              <a:rPr lang="zh-TW" altLang="en-US" sz="6400" b="1" dirty="0">
                 <a:solidFill>
                   <a:srgbClr val="660033"/>
                 </a:solidFill>
@@ -3769,18 +3687,7 @@
                 <a:ea typeface="微軟正黑體" pitchFamily="34" charset="-120"/>
                 <a:sym typeface="Microsoft JhengHei"/>
               </a:rPr>
-              <a:t>祢</a:t>
-            </a:r>
-            <a:r>
-              <a:rPr lang="zh-TW" altLang="en-US" sz="6400" b="1" dirty="0">
-                <a:solidFill>
-                  <a:srgbClr val="660033"/>
-                </a:solidFill>
-                <a:latin typeface="微軟正黑體" pitchFamily="34" charset="-120"/>
-                <a:ea typeface="微軟正黑體" pitchFamily="34" charset="-120"/>
-                <a:sym typeface="Microsoft JhengHei"/>
-              </a:rPr>
-              <a:t>創造宇宙萬物</a:t>
+              <a:t>祢創造宇宙萬物</a:t>
             </a:r>
           </a:p>
           <a:p>
@@ -3824,7 +3731,7 @@
         <p:spPr>
           <a:xfrm>
             <a:off x="0" y="5157192"/>
-            <a:ext cx="12192000" cy="830997"/>
+            <a:ext cx="12192000" cy="646331"/>
           </a:xfrm>
           <a:prstGeom prst="rect">
             <a:avLst/>
@@ -3839,7 +3746,7 @@
           <a:p>
             <a:pPr algn="ctr"/>
             <a:r>
-              <a:rPr lang="en-US" sz="4800" b="1" dirty="0" smtClean="0">
+              <a:rPr lang="en-US" sz="3600" b="1" dirty="0">
                 <a:solidFill>
                   <a:srgbClr val="660033"/>
                 </a:solidFill>
@@ -3849,17 +3756,17 @@
               <a:t>( </a:t>
             </a:r>
             <a:r>
-              <a:rPr lang="zh-CN" altLang="en-US" sz="4800" b="1" dirty="0" smtClean="0">
+              <a:rPr lang="zh-CN" altLang="en-US" sz="3600" b="1" dirty="0">
                 <a:solidFill>
                   <a:srgbClr val="660033"/>
                 </a:solidFill>
                 <a:latin typeface="Microsoft JhengHei" panose="020B0604030504040204" pitchFamily="34" charset="-120"/>
                 <a:ea typeface="Microsoft JhengHei" panose="020B0604030504040204" pitchFamily="34" charset="-120"/>
               </a:rPr>
-              <a:t>正 </a:t>
-            </a:r>
-            <a:r>
-              <a:rPr lang="en-US" sz="4800" b="1" dirty="0" smtClean="0">
+              <a:t>正歌 </a:t>
+            </a:r>
+            <a:r>
+              <a:rPr lang="en-US" sz="3600" b="1" dirty="0">
                 <a:solidFill>
                   <a:srgbClr val="660033"/>
                 </a:solidFill>
@@ -3868,7 +3775,7 @@
               </a:rPr>
               <a:t>)</a:t>
             </a:r>
-            <a:endParaRPr lang="vi-VN" sz="4800" b="1" dirty="0">
+            <a:endParaRPr lang="vi-VN" sz="3600" b="1" dirty="0">
               <a:solidFill>
                 <a:srgbClr val="660033"/>
               </a:solidFill>
@@ -3948,20 +3855,9 @@
                 <a:ea typeface="微軟正黑體" pitchFamily="34" charset="-120"/>
                 <a:sym typeface="Microsoft JhengHei"/>
               </a:rPr>
-              <a:t>但祢卻關心我的需</a:t>
-            </a:r>
-            <a:r>
-              <a:rPr lang="zh-TW" altLang="en-US" sz="6400" b="1" dirty="0" smtClean="0">
-                <a:solidFill>
-                  <a:srgbClr val="660033"/>
-                </a:solidFill>
-                <a:latin typeface="微軟正黑體" pitchFamily="34" charset="-120"/>
-                <a:ea typeface="微軟正黑體" pitchFamily="34" charset="-120"/>
-                <a:sym typeface="Microsoft JhengHei"/>
-              </a:rPr>
-              <a:t>要</a:t>
-            </a:r>
-            <a:endParaRPr lang="en-US" altLang="zh-TW" sz="6400" b="1" dirty="0" smtClean="0">
+              <a:t>但祢卻關心我的需要</a:t>
+            </a:r>
+            <a:endParaRPr lang="en-US" altLang="zh-TW" sz="6400" b="1" dirty="0">
               <a:solidFill>
                 <a:srgbClr val="660033"/>
               </a:solidFill>
@@ -3982,7 +3878,7 @@
               <a:buNone/>
             </a:pPr>
             <a:r>
-              <a:rPr lang="zh-TW" altLang="en-US" sz="6400" b="1" dirty="0" smtClean="0">
+              <a:rPr lang="zh-TW" altLang="en-US" sz="6400" b="1" dirty="0">
                 <a:solidFill>
                   <a:srgbClr val="660033"/>
                 </a:solidFill>
@@ -3990,18 +3886,7 @@
                 <a:ea typeface="微軟正黑體" pitchFamily="34" charset="-120"/>
                 <a:sym typeface="Microsoft JhengHei"/>
               </a:rPr>
-              <a:t>瞭</a:t>
-            </a:r>
-            <a:r>
-              <a:rPr lang="zh-TW" altLang="en-US" sz="6400" b="1" dirty="0">
-                <a:solidFill>
-                  <a:srgbClr val="660033"/>
-                </a:solidFill>
-                <a:latin typeface="微軟正黑體" pitchFamily="34" charset="-120"/>
-                <a:ea typeface="微軟正黑體" pitchFamily="34" charset="-120"/>
-                <a:sym typeface="Microsoft JhengHei"/>
-              </a:rPr>
-              <a:t>解我的感受</a:t>
+              <a:t>瞭解我的感受</a:t>
             </a:r>
             <a:endParaRPr lang="en-US" altLang="zh-TW" sz="6400" b="1" dirty="0">
               <a:solidFill>
@@ -4022,7 +3907,7 @@
         <p:spPr>
           <a:xfrm>
             <a:off x="0" y="5157192"/>
-            <a:ext cx="12192000" cy="830997"/>
+            <a:ext cx="12192000" cy="646331"/>
           </a:xfrm>
           <a:prstGeom prst="rect">
             <a:avLst/>
@@ -4037,7 +3922,7 @@
           <a:p>
             <a:pPr algn="ctr"/>
             <a:r>
-              <a:rPr lang="en-US" sz="4800" b="1" dirty="0" smtClean="0">
+              <a:rPr lang="en-US" sz="3600" b="1" dirty="0">
                 <a:solidFill>
                   <a:srgbClr val="660033"/>
                 </a:solidFill>
@@ -4047,17 +3932,17 @@
               <a:t>( </a:t>
             </a:r>
             <a:r>
-              <a:rPr lang="zh-CN" altLang="en-US" sz="4800" b="1" dirty="0" smtClean="0">
+              <a:rPr lang="zh-CN" altLang="en-US" sz="3600" b="1" dirty="0">
                 <a:solidFill>
                   <a:srgbClr val="660033"/>
                 </a:solidFill>
                 <a:latin typeface="Microsoft JhengHei" panose="020B0604030504040204" pitchFamily="34" charset="-120"/>
                 <a:ea typeface="Microsoft JhengHei" panose="020B0604030504040204" pitchFamily="34" charset="-120"/>
               </a:rPr>
-              <a:t>正 </a:t>
-            </a:r>
-            <a:r>
-              <a:rPr lang="en-US" sz="4800" b="1" dirty="0" smtClean="0">
+              <a:t>正歌 </a:t>
+            </a:r>
+            <a:r>
+              <a:rPr lang="en-US" sz="3600" b="1" dirty="0">
                 <a:solidFill>
                   <a:srgbClr val="660033"/>
                 </a:solidFill>
@@ -4066,7 +3951,7 @@
               </a:rPr>
               <a:t>)</a:t>
             </a:r>
-            <a:endParaRPr lang="vi-VN" sz="4800" b="1" dirty="0">
+            <a:endParaRPr lang="vi-VN" sz="3600" b="1" dirty="0">
               <a:solidFill>
                 <a:srgbClr val="660033"/>
               </a:solidFill>
@@ -4183,7 +4068,7 @@
         <p:spPr>
           <a:xfrm>
             <a:off x="0" y="5157192"/>
-            <a:ext cx="12192000" cy="830997"/>
+            <a:ext cx="12192000" cy="646331"/>
           </a:xfrm>
           <a:prstGeom prst="rect">
             <a:avLst/>
@@ -4198,7 +4083,7 @@
           <a:p>
             <a:pPr algn="ctr"/>
             <a:r>
-              <a:rPr lang="en-US" sz="4800" b="1" dirty="0" smtClean="0">
+              <a:rPr lang="en-US" sz="3600" b="1" dirty="0">
                 <a:solidFill>
                   <a:srgbClr val="660033"/>
                 </a:solidFill>
@@ -4208,17 +4093,17 @@
               <a:t>( </a:t>
             </a:r>
             <a:r>
-              <a:rPr lang="zh-CN" altLang="en-US" sz="4800" b="1" dirty="0" smtClean="0">
+              <a:rPr lang="zh-CN" altLang="en-US" sz="3600" b="1" dirty="0">
                 <a:solidFill>
                   <a:srgbClr val="660033"/>
                 </a:solidFill>
                 <a:latin typeface="Microsoft JhengHei" panose="020B0604030504040204" pitchFamily="34" charset="-120"/>
                 <a:ea typeface="Microsoft JhengHei" panose="020B0604030504040204" pitchFamily="34" charset="-120"/>
               </a:rPr>
-              <a:t>正 </a:t>
-            </a:r>
-            <a:r>
-              <a:rPr lang="en-US" sz="4800" b="1" dirty="0" smtClean="0">
+              <a:t>正歌 </a:t>
+            </a:r>
+            <a:r>
+              <a:rPr lang="en-US" sz="3600" b="1" dirty="0">
                 <a:solidFill>
                   <a:srgbClr val="660033"/>
                 </a:solidFill>
@@ -4227,7 +4112,7 @@
               </a:rPr>
               <a:t>)</a:t>
             </a:r>
-            <a:endParaRPr lang="vi-VN" sz="4800" b="1" dirty="0">
+            <a:endParaRPr lang="vi-VN" sz="3600" b="1" dirty="0">
               <a:solidFill>
                 <a:srgbClr val="660033"/>
               </a:solidFill>
@@ -4351,7 +4236,7 @@
         <p:spPr>
           <a:xfrm>
             <a:off x="0" y="5157192"/>
-            <a:ext cx="12192000" cy="830997"/>
+            <a:ext cx="12192000" cy="646331"/>
           </a:xfrm>
           <a:prstGeom prst="rect">
             <a:avLst/>
@@ -4366,7 +4251,7 @@
           <a:p>
             <a:pPr algn="ctr"/>
             <a:r>
-              <a:rPr lang="en-US" sz="4800" b="1" dirty="0" smtClean="0">
+              <a:rPr lang="en-US" sz="3600" b="1" dirty="0">
                 <a:solidFill>
                   <a:srgbClr val="660033"/>
                 </a:solidFill>
@@ -4376,17 +4261,17 @@
               <a:t>( </a:t>
             </a:r>
             <a:r>
-              <a:rPr lang="zh-CN" altLang="en-US" sz="4800" b="1" dirty="0" smtClean="0">
+              <a:rPr lang="zh-CN" altLang="en-US" sz="3600" b="1" dirty="0">
                 <a:solidFill>
                   <a:srgbClr val="660033"/>
                 </a:solidFill>
                 <a:latin typeface="Microsoft JhengHei" panose="020B0604030504040204" pitchFamily="34" charset="-120"/>
                 <a:ea typeface="Microsoft JhengHei" panose="020B0604030504040204" pitchFamily="34" charset="-120"/>
               </a:rPr>
-              <a:t>正 </a:t>
-            </a:r>
-            <a:r>
-              <a:rPr lang="en-US" sz="4800" b="1" dirty="0" smtClean="0">
+              <a:t>正歌 </a:t>
+            </a:r>
+            <a:r>
+              <a:rPr lang="en-US" sz="3600" b="1" dirty="0">
                 <a:solidFill>
                   <a:srgbClr val="660033"/>
                 </a:solidFill>
@@ -4395,7 +4280,7 @@
               </a:rPr>
               <a:t>)</a:t>
             </a:r>
-            <a:endParaRPr lang="vi-VN" sz="4800" b="1" dirty="0">
+            <a:endParaRPr lang="vi-VN" sz="3600" b="1" dirty="0">
               <a:solidFill>
                 <a:srgbClr val="660033"/>
               </a:solidFill>
@@ -4512,7 +4397,7 @@
         <p:spPr>
           <a:xfrm>
             <a:off x="0" y="5157192"/>
-            <a:ext cx="12192000" cy="830997"/>
+            <a:ext cx="12192000" cy="646331"/>
           </a:xfrm>
           <a:prstGeom prst="rect">
             <a:avLst/>
@@ -4527,7 +4412,7 @@
           <a:p>
             <a:pPr algn="ctr"/>
             <a:r>
-              <a:rPr lang="en-US" sz="4800" b="1" dirty="0" smtClean="0">
+              <a:rPr lang="en-US" sz="3600" b="1" dirty="0">
                 <a:solidFill>
                   <a:srgbClr val="660033"/>
                 </a:solidFill>
@@ -4537,17 +4422,17 @@
               <a:t>( </a:t>
             </a:r>
             <a:r>
-              <a:rPr lang="zh-CN" altLang="en-US" sz="4800" b="1" dirty="0" smtClean="0">
+              <a:rPr lang="zh-CN" altLang="en-US" sz="3600" b="1" dirty="0">
                 <a:solidFill>
                   <a:srgbClr val="660033"/>
                 </a:solidFill>
                 <a:latin typeface="Microsoft JhengHei" panose="020B0604030504040204" pitchFamily="34" charset="-120"/>
                 <a:ea typeface="Microsoft JhengHei" panose="020B0604030504040204" pitchFamily="34" charset="-120"/>
               </a:rPr>
-              <a:t>正 </a:t>
-            </a:r>
-            <a:r>
-              <a:rPr lang="en-US" sz="4800" b="1" dirty="0" smtClean="0">
+              <a:t>前副歌 </a:t>
+            </a:r>
+            <a:r>
+              <a:rPr lang="en-US" sz="3600" b="1" dirty="0">
                 <a:solidFill>
                   <a:srgbClr val="660033"/>
                 </a:solidFill>
@@ -4556,7 +4441,7 @@
               </a:rPr>
               <a:t>)</a:t>
             </a:r>
-            <a:endParaRPr lang="vi-VN" sz="4800" b="1" dirty="0">
+            <a:endParaRPr lang="vi-VN" sz="3600" b="1" dirty="0">
               <a:solidFill>
                 <a:srgbClr val="660033"/>
               </a:solidFill>
@@ -4636,40 +4521,7 @@
                 <a:ea typeface="微軟正黑體" pitchFamily="34" charset="-120"/>
                 <a:sym typeface="Microsoft JhengHei"/>
               </a:rPr>
-              <a:t>但祢卻一再賜恩</a:t>
-            </a:r>
-            <a:r>
-              <a:rPr lang="zh-TW" altLang="en-US" sz="6400" b="1" dirty="0">
-                <a:solidFill>
-                  <a:srgbClr val="660033"/>
-                </a:solidFill>
-                <a:latin typeface="微軟正黑體" pitchFamily="34" charset="-120"/>
-                <a:ea typeface="微軟正黑體" pitchFamily="34" charset="-120"/>
-                <a:sym typeface="Microsoft JhengHei"/>
-              </a:rPr>
-              <a:t>典  </a:t>
-            </a:r>
-            <a:r>
-              <a:rPr lang="zh-TW" altLang="en-US" sz="6400" b="1" dirty="0" smtClean="0">
-                <a:solidFill>
-                  <a:srgbClr val="660033"/>
-                </a:solidFill>
-                <a:latin typeface="微軟正黑體" pitchFamily="34" charset="-120"/>
-                <a:ea typeface="微軟正黑體" pitchFamily="34" charset="-120"/>
-                <a:sym typeface="Microsoft JhengHei"/>
-              </a:rPr>
-              <a:t> 一</a:t>
-            </a:r>
-            <a:r>
-              <a:rPr lang="zh-TW" altLang="en-US" sz="6400" b="1" dirty="0">
-                <a:solidFill>
-                  <a:srgbClr val="660033"/>
-                </a:solidFill>
-                <a:latin typeface="微軟正黑體" pitchFamily="34" charset="-120"/>
-                <a:ea typeface="微軟正黑體" pitchFamily="34" charset="-120"/>
-                <a:sym typeface="Microsoft JhengHei"/>
-              </a:rPr>
-              <a:t>再施憐憫</a:t>
+              <a:t>但祢卻一再賜恩典   一再施憐憫</a:t>
             </a:r>
           </a:p>
           <a:p>
@@ -4713,7 +4565,7 @@
         <p:spPr>
           <a:xfrm>
             <a:off x="0" y="5157192"/>
-            <a:ext cx="12192000" cy="830997"/>
+            <a:ext cx="12192000" cy="646331"/>
           </a:xfrm>
           <a:prstGeom prst="rect">
             <a:avLst/>
@@ -4728,7 +4580,7 @@
           <a:p>
             <a:pPr algn="ctr"/>
             <a:r>
-              <a:rPr lang="en-US" sz="4800" b="1" dirty="0" smtClean="0">
+              <a:rPr lang="en-US" sz="3600" b="1" dirty="0">
                 <a:solidFill>
                   <a:srgbClr val="660033"/>
                 </a:solidFill>
@@ -4738,17 +4590,17 @@
               <a:t>( </a:t>
             </a:r>
             <a:r>
-              <a:rPr lang="zh-CN" altLang="en-US" sz="4800" b="1" dirty="0" smtClean="0">
+              <a:rPr lang="zh-CN" altLang="en-US" sz="3600" b="1" dirty="0">
                 <a:solidFill>
                   <a:srgbClr val="660033"/>
                 </a:solidFill>
                 <a:latin typeface="Microsoft JhengHei" panose="020B0604030504040204" pitchFamily="34" charset="-120"/>
                 <a:ea typeface="Microsoft JhengHei" panose="020B0604030504040204" pitchFamily="34" charset="-120"/>
               </a:rPr>
-              <a:t>正 </a:t>
-            </a:r>
-            <a:r>
-              <a:rPr lang="en-US" sz="4800" b="1" dirty="0" smtClean="0">
+              <a:t>前副歌 </a:t>
+            </a:r>
+            <a:r>
+              <a:rPr lang="en-US" sz="3600" b="1" dirty="0">
                 <a:solidFill>
                   <a:srgbClr val="660033"/>
                 </a:solidFill>
@@ -4757,7 +4609,7 @@
               </a:rPr>
               <a:t>)</a:t>
             </a:r>
-            <a:endParaRPr lang="vi-VN" sz="4800" b="1" dirty="0">
+            <a:endParaRPr lang="vi-VN" sz="3600" b="1" dirty="0">
               <a:solidFill>
                 <a:srgbClr val="660033"/>
               </a:solidFill>
@@ -4874,7 +4726,7 @@
         <p:spPr>
           <a:xfrm>
             <a:off x="0" y="5157192"/>
-            <a:ext cx="12192000" cy="830997"/>
+            <a:ext cx="12192000" cy="646331"/>
           </a:xfrm>
           <a:prstGeom prst="rect">
             <a:avLst/>
@@ -4889,7 +4741,7 @@
           <a:p>
             <a:pPr algn="ctr"/>
             <a:r>
-              <a:rPr lang="en-US" sz="4800" b="1" dirty="0" smtClean="0">
+              <a:rPr lang="en-US" sz="3600" b="1" dirty="0">
                 <a:solidFill>
                   <a:srgbClr val="660033"/>
                 </a:solidFill>
@@ -4899,17 +4751,17 @@
               <a:t>( </a:t>
             </a:r>
             <a:r>
-              <a:rPr lang="zh-CN" altLang="en-US" sz="4800" b="1" dirty="0" smtClean="0">
+              <a:rPr lang="zh-CN" altLang="en-US" sz="3600" b="1" dirty="0">
                 <a:solidFill>
                   <a:srgbClr val="660033"/>
                 </a:solidFill>
                 <a:latin typeface="Microsoft JhengHei" panose="020B0604030504040204" pitchFamily="34" charset="-120"/>
                 <a:ea typeface="Microsoft JhengHei" panose="020B0604030504040204" pitchFamily="34" charset="-120"/>
               </a:rPr>
-              <a:t>副 </a:t>
-            </a:r>
-            <a:r>
-              <a:rPr lang="en-US" sz="4800" b="1" dirty="0" smtClean="0">
+              <a:t>副歌 </a:t>
+            </a:r>
+            <a:r>
+              <a:rPr lang="en-US" sz="3600" b="1" dirty="0">
                 <a:solidFill>
                   <a:srgbClr val="660033"/>
                 </a:solidFill>
@@ -4918,7 +4770,7 @@
               </a:rPr>
               <a:t>)</a:t>
             </a:r>
-            <a:endParaRPr lang="vi-VN" sz="4800" b="1" dirty="0">
+            <a:endParaRPr lang="vi-VN" sz="3600" b="1" dirty="0">
               <a:solidFill>
                 <a:srgbClr val="660033"/>
               </a:solidFill>
@@ -5042,7 +4894,7 @@
         <p:spPr>
           <a:xfrm>
             <a:off x="0" y="5157192"/>
-            <a:ext cx="12192000" cy="830997"/>
+            <a:ext cx="12192000" cy="646331"/>
           </a:xfrm>
           <a:prstGeom prst="rect">
             <a:avLst/>
@@ -5057,7 +4909,7 @@
           <a:p>
             <a:pPr algn="ctr"/>
             <a:r>
-              <a:rPr lang="en-US" sz="4800" b="1" dirty="0" smtClean="0">
+              <a:rPr lang="en-US" sz="3600" b="1" dirty="0">
                 <a:solidFill>
                   <a:srgbClr val="660033"/>
                 </a:solidFill>
@@ -5067,17 +4919,17 @@
               <a:t>( </a:t>
             </a:r>
             <a:r>
-              <a:rPr lang="zh-CN" altLang="en-US" sz="4800" b="1" dirty="0" smtClean="0">
+              <a:rPr lang="zh-CN" altLang="en-US" sz="3600" b="1" dirty="0">
                 <a:solidFill>
                   <a:srgbClr val="660033"/>
                 </a:solidFill>
                 <a:latin typeface="Microsoft JhengHei" panose="020B0604030504040204" pitchFamily="34" charset="-120"/>
                 <a:ea typeface="Microsoft JhengHei" panose="020B0604030504040204" pitchFamily="34" charset="-120"/>
               </a:rPr>
-              <a:t>副 </a:t>
-            </a:r>
-            <a:r>
-              <a:rPr lang="en-US" sz="4800" b="1" dirty="0" smtClean="0">
+              <a:t>副歌 </a:t>
+            </a:r>
+            <a:r>
+              <a:rPr lang="en-US" sz="3600" b="1" dirty="0">
                 <a:solidFill>
                   <a:srgbClr val="660033"/>
                 </a:solidFill>
@@ -5086,7 +4938,7 @@
               </a:rPr>
               <a:t>)</a:t>
             </a:r>
-            <a:endParaRPr lang="vi-VN" sz="4800" b="1" dirty="0">
+            <a:endParaRPr lang="vi-VN" sz="3600" b="1" dirty="0">
               <a:solidFill>
                 <a:srgbClr val="660033"/>
               </a:solidFill>
